--- a/TypeScript.pptx
+++ b/TypeScript.pptx
@@ -8,6 +8,7 @@
     <p:sldId id="256" r:id="rId2"/>
     <p:sldId id="257" r:id="rId3"/>
     <p:sldId id="258" r:id="rId4"/>
+    <p:sldId id="259" r:id="rId5"/>
   </p:sldIdLst>
   <p:sldSz cx="12192000" cy="6858000"/>
   <p:notesSz cx="6858000" cy="9144000"/>
@@ -106,6 +107,11 @@
       </a:defRPr>
     </a:lvl9pPr>
   </p:defaultTextStyle>
+  <p:extLst>
+    <p:ext uri="{EFAFB233-063F-42B5-8137-9DF3F51BA10A}">
+      <p15:sldGuideLst xmlns:p15="http://schemas.microsoft.com/office/powerpoint/2012/main"/>
+    </p:ext>
+  </p:extLst>
 </p:presentation>
 </file>
 
@@ -7926,12 +7932,8 @@
               <a:t>javascript</a:t>
             </a:r>
             <a:r>
-              <a:rPr lang="en-US" smtClean="0"/>
+              <a:rPr lang="en-US" dirty="0" smtClean="0"/>
               <a:t> programs</a:t>
-            </a:r>
-            <a:r>
-              <a:rPr lang="en-US" dirty="0" smtClean="0"/>
-              <a:t/>
             </a:r>
             <a:br>
               <a:rPr lang="en-US" dirty="0" smtClean="0"/>
@@ -7958,6 +7960,148 @@
     <p:extLst>
       <p:ext uri="{BB962C8B-B14F-4D97-AF65-F5344CB8AC3E}">
         <p14:creationId xmlns:p14="http://schemas.microsoft.com/office/powerpoint/2010/main" val="2158288182"/>
+      </p:ext>
+    </p:extLst>
+  </p:cSld>
+  <p:clrMapOvr>
+    <a:masterClrMapping/>
+  </p:clrMapOvr>
+</p:sld>
+</file>
+
+<file path=ppt/slides/slide4.xml><?xml version="1.0" encoding="utf-8"?>
+<p:sld xmlns:a="http://schemas.openxmlformats.org/drawingml/2006/main" xmlns:r="http://schemas.openxmlformats.org/officeDocument/2006/relationships" xmlns:p="http://schemas.openxmlformats.org/presentationml/2006/main">
+  <p:cSld>
+    <p:spTree>
+      <p:nvGrpSpPr>
+        <p:cNvPr id="1" name=""/>
+        <p:cNvGrpSpPr/>
+        <p:nvPr/>
+      </p:nvGrpSpPr>
+      <p:grpSpPr>
+        <a:xfrm>
+          <a:off x="0" y="0"/>
+          <a:ext cx="0" cy="0"/>
+          <a:chOff x="0" y="0"/>
+          <a:chExt cx="0" cy="0"/>
+        </a:xfrm>
+      </p:grpSpPr>
+      <p:sp>
+        <p:nvSpPr>
+          <p:cNvPr id="2" name="Title 1"/>
+          <p:cNvSpPr>
+            <a:spLocks noGrp="1"/>
+          </p:cNvSpPr>
+          <p:nvPr>
+            <p:ph type="title"/>
+          </p:nvPr>
+        </p:nvSpPr>
+        <p:spPr/>
+        <p:txBody>
+          <a:bodyPr/>
+          <a:lstStyle/>
+          <a:p>
+            <a:endParaRPr lang="en-US"/>
+          </a:p>
+        </p:txBody>
+      </p:sp>
+      <p:sp>
+        <p:nvSpPr>
+          <p:cNvPr id="3" name="Content Placeholder 2"/>
+          <p:cNvSpPr>
+            <a:spLocks noGrp="1"/>
+          </p:cNvSpPr>
+          <p:nvPr>
+            <p:ph idx="1"/>
+          </p:nvPr>
+        </p:nvSpPr>
+        <p:spPr/>
+        <p:txBody>
+          <a:bodyPr/>
+          <a:lstStyle/>
+          <a:p>
+            <a:r>
+              <a:rPr lang="en-US" dirty="0" smtClean="0"/>
+              <a:t>Typescript compiles to </a:t>
+            </a:r>
+            <a:r>
+              <a:rPr lang="en-US" dirty="0" err="1" smtClean="0"/>
+              <a:t>javascript</a:t>
+            </a:r>
+            <a:endParaRPr lang="en-US" dirty="0" smtClean="0"/>
+          </a:p>
+          <a:p>
+            <a:r>
+              <a:rPr lang="en-US" dirty="0" smtClean="0"/>
+              <a:t>Debug typescript</a:t>
+            </a:r>
+          </a:p>
+          <a:p>
+            <a:r>
+              <a:rPr lang="en-US" dirty="0" smtClean="0"/>
+              <a:t>IDE support, code navigation</a:t>
+            </a:r>
+          </a:p>
+          <a:p>
+            <a:r>
+              <a:rPr lang="en-US" dirty="0" err="1" smtClean="0"/>
+              <a:t>Intellisense</a:t>
+            </a:r>
+            <a:endParaRPr lang="en-US" dirty="0" smtClean="0"/>
+          </a:p>
+          <a:p>
+            <a:r>
+              <a:rPr lang="en-US" dirty="0" smtClean="0"/>
+              <a:t>Typo discovered when it is compiled</a:t>
+            </a:r>
+          </a:p>
+          <a:p>
+            <a:r>
+              <a:rPr lang="en-US" dirty="0" smtClean="0"/>
+              <a:t>Object oriented, inheritance, interfaces.</a:t>
+            </a:r>
+          </a:p>
+          <a:p>
+            <a:r>
+              <a:rPr lang="en-US" dirty="0" smtClean="0"/>
+              <a:t>Module</a:t>
+            </a:r>
+          </a:p>
+          <a:p>
+            <a:r>
+              <a:rPr lang="en-US" dirty="0" smtClean="0"/>
+              <a:t>Generics </a:t>
+            </a:r>
+          </a:p>
+          <a:p>
+            <a:r>
+              <a:rPr lang="en-US" dirty="0" smtClean="0"/>
+              <a:t>Work with </a:t>
+            </a:r>
+            <a:r>
+              <a:rPr lang="en-US" dirty="0" err="1" smtClean="0"/>
+              <a:t>javascript</a:t>
+            </a:r>
+            <a:r>
+              <a:rPr lang="en-US" dirty="0" smtClean="0"/>
+              <a:t> libraries. (angular, typescript, react, </a:t>
+            </a:r>
+            <a:r>
+              <a:rPr lang="en-US" dirty="0" err="1" smtClean="0"/>
+              <a:t>vue</a:t>
+            </a:r>
+            <a:r>
+              <a:rPr lang="en-US" smtClean="0"/>
+              <a:t>, backbones)</a:t>
+            </a:r>
+            <a:endParaRPr lang="en-US" dirty="0" smtClean="0"/>
+          </a:p>
+        </p:txBody>
+      </p:sp>
+    </p:spTree>
+    <p:extLst>
+      <p:ext uri="{BB962C8B-B14F-4D97-AF65-F5344CB8AC3E}">
+        <p14:creationId xmlns:p14="http://schemas.microsoft.com/office/powerpoint/2010/main" val="106960504"/>
       </p:ext>
     </p:extLst>
   </p:cSld>

--- a/TypeScript.pptx
+++ b/TypeScript.pptx
@@ -8,7 +8,8 @@
     <p:sldId id="256" r:id="rId2"/>
     <p:sldId id="257" r:id="rId3"/>
     <p:sldId id="258" r:id="rId4"/>
-    <p:sldId id="259" r:id="rId5"/>
+    <p:sldId id="260" r:id="rId5"/>
+    <p:sldId id="259" r:id="rId6"/>
   </p:sldIdLst>
   <p:sldSz cx="12192000" cy="6858000"/>
   <p:notesSz cx="6858000" cy="9144000"/>
@@ -304,7 +305,7 @@
             <a:fld id="{B61BEF0D-F0BB-DE4B-95CE-6DB70DBA9567}" type="datetimeFigureOut">
               <a:rPr lang="en-US" dirty="0"/>
               <a:pPr/>
-              <a:t>2/16/2016</a:t>
+              <a:t>2/17/2016</a:t>
             </a:fld>
             <a:endParaRPr lang="en-US" dirty="0"/>
           </a:p>
@@ -639,7 +640,7 @@
             <a:fld id="{B61BEF0D-F0BB-DE4B-95CE-6DB70DBA9567}" type="datetimeFigureOut">
               <a:rPr lang="en-US" dirty="0"/>
               <a:pPr/>
-              <a:t>2/16/2016</a:t>
+              <a:t>2/17/2016</a:t>
             </a:fld>
             <a:endParaRPr lang="en-US" dirty="0"/>
           </a:p>
@@ -1037,7 +1038,7 @@
             <a:fld id="{B61BEF0D-F0BB-DE4B-95CE-6DB70DBA9567}" type="datetimeFigureOut">
               <a:rPr lang="en-US" dirty="0"/>
               <a:pPr/>
-              <a:t>2/16/2016</a:t>
+              <a:t>2/17/2016</a:t>
             </a:fld>
             <a:endParaRPr lang="en-US" dirty="0"/>
           </a:p>
@@ -1369,7 +1370,7 @@
             <a:fld id="{B61BEF0D-F0BB-DE4B-95CE-6DB70DBA9567}" type="datetimeFigureOut">
               <a:rPr lang="en-US" dirty="0"/>
               <a:pPr/>
-              <a:t>2/16/2016</a:t>
+              <a:t>2/17/2016</a:t>
             </a:fld>
             <a:endParaRPr lang="en-US" dirty="0"/>
           </a:p>
@@ -1686,7 +1687,7 @@
             <a:fld id="{B61BEF0D-F0BB-DE4B-95CE-6DB70DBA9567}" type="datetimeFigureOut">
               <a:rPr lang="en-US" dirty="0"/>
               <a:pPr/>
-              <a:t>2/16/2016</a:t>
+              <a:t>2/17/2016</a:t>
             </a:fld>
             <a:endParaRPr lang="en-US" dirty="0"/>
           </a:p>
@@ -2079,7 +2080,7 @@
             <a:fld id="{B61BEF0D-F0BB-DE4B-95CE-6DB70DBA9567}" type="datetimeFigureOut">
               <a:rPr lang="en-US" dirty="0"/>
               <a:pPr/>
-              <a:t>2/16/2016</a:t>
+              <a:t>2/17/2016</a:t>
             </a:fld>
             <a:endParaRPr lang="en-US" dirty="0"/>
           </a:p>
@@ -2333,7 +2334,7 @@
             <a:fld id="{B61BEF0D-F0BB-DE4B-95CE-6DB70DBA9567}" type="datetimeFigureOut">
               <a:rPr lang="en-US" dirty="0"/>
               <a:pPr/>
-              <a:t>2/16/2016</a:t>
+              <a:t>2/17/2016</a:t>
             </a:fld>
             <a:endParaRPr lang="en-US" dirty="0"/>
           </a:p>
@@ -2592,7 +2593,7 @@
             <a:fld id="{B61BEF0D-F0BB-DE4B-95CE-6DB70DBA9567}" type="datetimeFigureOut">
               <a:rPr lang="en-US" dirty="0"/>
               <a:pPr/>
-              <a:t>2/16/2016</a:t>
+              <a:t>2/17/2016</a:t>
             </a:fld>
             <a:endParaRPr lang="en-US" dirty="0"/>
           </a:p>
@@ -2851,7 +2852,7 @@
             <a:fld id="{B61BEF0D-F0BB-DE4B-95CE-6DB70DBA9567}" type="datetimeFigureOut">
               <a:rPr lang="en-US" dirty="0"/>
               <a:pPr/>
-              <a:t>2/16/2016</a:t>
+              <a:t>2/17/2016</a:t>
             </a:fld>
             <a:endParaRPr lang="en-US" dirty="0"/>
           </a:p>
@@ -3177,7 +3178,7 @@
             <a:fld id="{B61BEF0D-F0BB-DE4B-95CE-6DB70DBA9567}" type="datetimeFigureOut">
               <a:rPr lang="en-US" dirty="0"/>
               <a:pPr/>
-              <a:t>2/16/2016</a:t>
+              <a:t>2/17/2016</a:t>
             </a:fld>
             <a:endParaRPr lang="en-US" dirty="0"/>
           </a:p>
@@ -3497,7 +3498,7 @@
             <a:fld id="{B61BEF0D-F0BB-DE4B-95CE-6DB70DBA9567}" type="datetimeFigureOut">
               <a:rPr lang="en-US" dirty="0"/>
               <a:pPr/>
-              <a:t>2/16/2016</a:t>
+              <a:t>2/17/2016</a:t>
             </a:fld>
             <a:endParaRPr lang="en-US" dirty="0"/>
           </a:p>
@@ -3951,7 +3952,7 @@
             <a:fld id="{B61BEF0D-F0BB-DE4B-95CE-6DB70DBA9567}" type="datetimeFigureOut">
               <a:rPr lang="en-US" dirty="0"/>
               <a:pPr/>
-              <a:t>2/16/2016</a:t>
+              <a:t>2/17/2016</a:t>
             </a:fld>
             <a:endParaRPr lang="en-US" dirty="0"/>
           </a:p>
@@ -4153,7 +4154,7 @@
             <a:fld id="{B61BEF0D-F0BB-DE4B-95CE-6DB70DBA9567}" type="datetimeFigureOut">
               <a:rPr lang="en-US" dirty="0"/>
               <a:pPr/>
-              <a:t>2/16/2016</a:t>
+              <a:t>2/17/2016</a:t>
             </a:fld>
             <a:endParaRPr lang="en-US" dirty="0"/>
           </a:p>
@@ -4327,7 +4328,7 @@
             <a:fld id="{B61BEF0D-F0BB-DE4B-95CE-6DB70DBA9567}" type="datetimeFigureOut">
               <a:rPr lang="en-US" dirty="0"/>
               <a:pPr/>
-              <a:t>2/16/2016</a:t>
+              <a:t>2/17/2016</a:t>
             </a:fld>
             <a:endParaRPr lang="en-US" dirty="0"/>
           </a:p>
@@ -4657,7 +4658,7 @@
             <a:fld id="{B61BEF0D-F0BB-DE4B-95CE-6DB70DBA9567}" type="datetimeFigureOut">
               <a:rPr lang="en-US" dirty="0"/>
               <a:pPr/>
-              <a:t>2/16/2016</a:t>
+              <a:t>2/17/2016</a:t>
             </a:fld>
             <a:endParaRPr lang="en-US" dirty="0"/>
           </a:p>
@@ -4999,7 +5000,7 @@
             <a:fld id="{B61BEF0D-F0BB-DE4B-95CE-6DB70DBA9567}" type="datetimeFigureOut">
               <a:rPr lang="en-US" dirty="0"/>
               <a:pPr/>
-              <a:t>2/16/2016</a:t>
+              <a:t>2/17/2016</a:t>
             </a:fld>
             <a:endParaRPr lang="en-US" dirty="0"/>
           </a:p>
@@ -7113,7 +7114,7 @@
             <a:fld id="{B61BEF0D-F0BB-DE4B-95CE-6DB70DBA9567}" type="datetimeFigureOut">
               <a:rPr lang="en-US" dirty="0"/>
               <a:pPr/>
-              <a:t>2/16/2016</a:t>
+              <a:t>2/17/2016</a:t>
             </a:fld>
             <a:endParaRPr lang="en-US" dirty="0"/>
           </a:p>
@@ -8001,6 +8002,109 @@
           <a:bodyPr/>
           <a:lstStyle/>
           <a:p>
+            <a:r>
+              <a:rPr lang="en-NZ" dirty="0" err="1" smtClean="0"/>
+              <a:t>TypeScript</a:t>
+            </a:r>
+            <a:endParaRPr lang="en-US" dirty="0"/>
+          </a:p>
+        </p:txBody>
+      </p:sp>
+      <p:pic>
+        <p:nvPicPr>
+          <p:cNvPr id="4" name="Content Placeholder 3"/>
+          <p:cNvPicPr>
+            <a:picLocks noGrp="1" noChangeAspect="1"/>
+          </p:cNvPicPr>
+          <p:nvPr>
+            <p:ph idx="1"/>
+          </p:nvPr>
+        </p:nvPicPr>
+        <p:blipFill>
+          <a:blip r:embed="rId2"/>
+          <a:stretch>
+            <a:fillRect/>
+          </a:stretch>
+        </p:blipFill>
+        <p:spPr>
+          <a:xfrm>
+            <a:off x="2592925" y="1971889"/>
+            <a:ext cx="3867150" cy="1762125"/>
+          </a:xfrm>
+          <a:prstGeom prst="rect">
+            <a:avLst/>
+          </a:prstGeom>
+        </p:spPr>
+      </p:pic>
+      <p:pic>
+        <p:nvPicPr>
+          <p:cNvPr id="5" name="Picture 4"/>
+          <p:cNvPicPr>
+            <a:picLocks noChangeAspect="1"/>
+          </p:cNvPicPr>
+          <p:nvPr/>
+        </p:nvPicPr>
+        <p:blipFill>
+          <a:blip r:embed="rId3"/>
+          <a:stretch>
+            <a:fillRect/>
+          </a:stretch>
+        </p:blipFill>
+        <p:spPr>
+          <a:xfrm>
+            <a:off x="7008062" y="1905000"/>
+            <a:ext cx="4124325" cy="2543175"/>
+          </a:xfrm>
+          <a:prstGeom prst="rect">
+            <a:avLst/>
+          </a:prstGeom>
+        </p:spPr>
+      </p:pic>
+    </p:spTree>
+    <p:extLst>
+      <p:ext uri="{BB962C8B-B14F-4D97-AF65-F5344CB8AC3E}">
+        <p14:creationId xmlns:p14="http://schemas.microsoft.com/office/powerpoint/2010/main" val="1849044435"/>
+      </p:ext>
+    </p:extLst>
+  </p:cSld>
+  <p:clrMapOvr>
+    <a:masterClrMapping/>
+  </p:clrMapOvr>
+</p:sld>
+</file>
+
+<file path=ppt/slides/slide5.xml><?xml version="1.0" encoding="utf-8"?>
+<p:sld xmlns:a="http://schemas.openxmlformats.org/drawingml/2006/main" xmlns:r="http://schemas.openxmlformats.org/officeDocument/2006/relationships" xmlns:p="http://schemas.openxmlformats.org/presentationml/2006/main">
+  <p:cSld>
+    <p:spTree>
+      <p:nvGrpSpPr>
+        <p:cNvPr id="1" name=""/>
+        <p:cNvGrpSpPr/>
+        <p:nvPr/>
+      </p:nvGrpSpPr>
+      <p:grpSpPr>
+        <a:xfrm>
+          <a:off x="0" y="0"/>
+          <a:ext cx="0" cy="0"/>
+          <a:chOff x="0" y="0"/>
+          <a:chExt cx="0" cy="0"/>
+        </a:xfrm>
+      </p:grpSpPr>
+      <p:sp>
+        <p:nvSpPr>
+          <p:cNvPr id="2" name="Title 1"/>
+          <p:cNvSpPr>
+            <a:spLocks noGrp="1"/>
+          </p:cNvSpPr>
+          <p:nvPr>
+            <p:ph type="title"/>
+          </p:nvPr>
+        </p:nvSpPr>
+        <p:spPr/>
+        <p:txBody>
+          <a:bodyPr/>
+          <a:lstStyle/>
+          <a:p>
             <a:endParaRPr lang="en-US"/>
           </a:p>
         </p:txBody>

--- a/TypeScript.pptx
+++ b/TypeScript.pptx
@@ -4,12 +4,16 @@
   <p:sldMasterIdLst>
     <p:sldMasterId id="2147483648" r:id="rId1"/>
   </p:sldMasterIdLst>
+  <p:notesMasterIdLst>
+    <p:notesMasterId r:id="rId8"/>
+  </p:notesMasterIdLst>
   <p:sldIdLst>
     <p:sldId id="256" r:id="rId2"/>
     <p:sldId id="257" r:id="rId3"/>
     <p:sldId id="258" r:id="rId4"/>
     <p:sldId id="260" r:id="rId5"/>
-    <p:sldId id="259" r:id="rId6"/>
+    <p:sldId id="261" r:id="rId6"/>
+    <p:sldId id="259" r:id="rId7"/>
   </p:sldIdLst>
   <p:sldSz cx="12192000" cy="6858000"/>
   <p:notesSz cx="6858000" cy="9144000"/>
@@ -114,6 +118,775 @@
     </p:ext>
   </p:extLst>
 </p:presentation>
+</file>
+
+<file path=ppt/commentAuthors.xml><?xml version="1.0" encoding="utf-8"?>
+<p:cmAuthorLst xmlns:a="http://schemas.openxmlformats.org/drawingml/2006/main" xmlns:r="http://schemas.openxmlformats.org/officeDocument/2006/relationships" xmlns:p="http://schemas.openxmlformats.org/presentationml/2006/main">
+  <p:cmAuthor id="1" name="Han Jia [DATACOM]" initials="HJ[" lastIdx="1" clrIdx="0">
+    <p:extLst>
+      <p:ext uri="{19B8F6BF-5375-455C-9EA6-DF929625EA0E}">
+        <p15:presenceInfo xmlns:p15="http://schemas.microsoft.com/office/powerpoint/2012/main" userId="S-1-5-21-1782762834-1739101085-2838007821-14852" providerId="AD"/>
+      </p:ext>
+    </p:extLst>
+  </p:cmAuthor>
+</p:cmAuthorLst>
+</file>
+
+<file path=ppt/notesMasters/notesMaster1.xml><?xml version="1.0" encoding="utf-8"?>
+<p:notesMaster xmlns:a="http://schemas.openxmlformats.org/drawingml/2006/main" xmlns:r="http://schemas.openxmlformats.org/officeDocument/2006/relationships" xmlns:p="http://schemas.openxmlformats.org/presentationml/2006/main">
+  <p:cSld>
+    <p:bg>
+      <p:bgRef idx="1001">
+        <a:schemeClr val="bg1"/>
+      </p:bgRef>
+    </p:bg>
+    <p:spTree>
+      <p:nvGrpSpPr>
+        <p:cNvPr id="1" name=""/>
+        <p:cNvGrpSpPr/>
+        <p:nvPr/>
+      </p:nvGrpSpPr>
+      <p:grpSpPr>
+        <a:xfrm>
+          <a:off x="0" y="0"/>
+          <a:ext cx="0" cy="0"/>
+          <a:chOff x="0" y="0"/>
+          <a:chExt cx="0" cy="0"/>
+        </a:xfrm>
+      </p:grpSpPr>
+      <p:sp>
+        <p:nvSpPr>
+          <p:cNvPr id="2" name="Header Placeholder 1"/>
+          <p:cNvSpPr>
+            <a:spLocks noGrp="1"/>
+          </p:cNvSpPr>
+          <p:nvPr>
+            <p:ph type="hdr" sz="quarter"/>
+          </p:nvPr>
+        </p:nvSpPr>
+        <p:spPr>
+          <a:xfrm>
+            <a:off x="0" y="0"/>
+            <a:ext cx="2971800" cy="458788"/>
+          </a:xfrm>
+          <a:prstGeom prst="rect">
+            <a:avLst/>
+          </a:prstGeom>
+        </p:spPr>
+        <p:txBody>
+          <a:bodyPr vert="horz" lIns="91440" tIns="45720" rIns="91440" bIns="45720" rtlCol="0"/>
+          <a:lstStyle>
+            <a:lvl1pPr algn="l">
+              <a:defRPr sz="1200"/>
+            </a:lvl1pPr>
+          </a:lstStyle>
+          <a:p>
+            <a:endParaRPr lang="en-US"/>
+          </a:p>
+        </p:txBody>
+      </p:sp>
+      <p:sp>
+        <p:nvSpPr>
+          <p:cNvPr id="3" name="Date Placeholder 2"/>
+          <p:cNvSpPr>
+            <a:spLocks noGrp="1"/>
+          </p:cNvSpPr>
+          <p:nvPr>
+            <p:ph type="dt" idx="1"/>
+          </p:nvPr>
+        </p:nvSpPr>
+        <p:spPr>
+          <a:xfrm>
+            <a:off x="3884613" y="0"/>
+            <a:ext cx="2971800" cy="458788"/>
+          </a:xfrm>
+          <a:prstGeom prst="rect">
+            <a:avLst/>
+          </a:prstGeom>
+        </p:spPr>
+        <p:txBody>
+          <a:bodyPr vert="horz" lIns="91440" tIns="45720" rIns="91440" bIns="45720" rtlCol="0"/>
+          <a:lstStyle>
+            <a:lvl1pPr algn="r">
+              <a:defRPr sz="1200"/>
+            </a:lvl1pPr>
+          </a:lstStyle>
+          <a:p>
+            <a:fld id="{30CB97A1-5740-48C4-BBB8-C5D8F94E005F}" type="datetimeFigureOut">
+              <a:rPr lang="en-US" smtClean="0"/>
+              <a:t>2/17/2016</a:t>
+            </a:fld>
+            <a:endParaRPr lang="en-US"/>
+          </a:p>
+        </p:txBody>
+      </p:sp>
+      <p:sp>
+        <p:nvSpPr>
+          <p:cNvPr id="4" name="Slide Image Placeholder 3"/>
+          <p:cNvSpPr>
+            <a:spLocks noGrp="1" noRot="1" noChangeAspect="1"/>
+          </p:cNvSpPr>
+          <p:nvPr>
+            <p:ph type="sldImg" idx="2"/>
+          </p:nvPr>
+        </p:nvSpPr>
+        <p:spPr>
+          <a:xfrm>
+            <a:off x="685800" y="1143000"/>
+            <a:ext cx="5486400" cy="3086100"/>
+          </a:xfrm>
+          <a:prstGeom prst="rect">
+            <a:avLst/>
+          </a:prstGeom>
+          <a:noFill/>
+          <a:ln w="12700">
+            <a:solidFill>
+              <a:prstClr val="black"/>
+            </a:solidFill>
+          </a:ln>
+        </p:spPr>
+        <p:txBody>
+          <a:bodyPr vert="horz" lIns="91440" tIns="45720" rIns="91440" bIns="45720" rtlCol="0" anchor="ctr"/>
+          <a:lstStyle/>
+          <a:p>
+            <a:endParaRPr lang="en-US"/>
+          </a:p>
+        </p:txBody>
+      </p:sp>
+      <p:sp>
+        <p:nvSpPr>
+          <p:cNvPr id="5" name="Notes Placeholder 4"/>
+          <p:cNvSpPr>
+            <a:spLocks noGrp="1"/>
+          </p:cNvSpPr>
+          <p:nvPr>
+            <p:ph type="body" sz="quarter" idx="3"/>
+          </p:nvPr>
+        </p:nvSpPr>
+        <p:spPr>
+          <a:xfrm>
+            <a:off x="685800" y="4400550"/>
+            <a:ext cx="5486400" cy="3600450"/>
+          </a:xfrm>
+          <a:prstGeom prst="rect">
+            <a:avLst/>
+          </a:prstGeom>
+        </p:spPr>
+        <p:txBody>
+          <a:bodyPr vert="horz" lIns="91440" tIns="45720" rIns="91440" bIns="45720" rtlCol="0"/>
+          <a:lstStyle/>
+          <a:p>
+            <a:pPr lvl="0"/>
+            <a:r>
+              <a:rPr lang="en-US" smtClean="0"/>
+              <a:t>Click to edit Master text styles</a:t>
+            </a:r>
+          </a:p>
+          <a:p>
+            <a:pPr lvl="1"/>
+            <a:r>
+              <a:rPr lang="en-US" smtClean="0"/>
+              <a:t>Second level</a:t>
+            </a:r>
+          </a:p>
+          <a:p>
+            <a:pPr lvl="2"/>
+            <a:r>
+              <a:rPr lang="en-US" smtClean="0"/>
+              <a:t>Third level</a:t>
+            </a:r>
+          </a:p>
+          <a:p>
+            <a:pPr lvl="3"/>
+            <a:r>
+              <a:rPr lang="en-US" smtClean="0"/>
+              <a:t>Fourth level</a:t>
+            </a:r>
+          </a:p>
+          <a:p>
+            <a:pPr lvl="4"/>
+            <a:r>
+              <a:rPr lang="en-US" smtClean="0"/>
+              <a:t>Fifth level</a:t>
+            </a:r>
+            <a:endParaRPr lang="en-US"/>
+          </a:p>
+        </p:txBody>
+      </p:sp>
+      <p:sp>
+        <p:nvSpPr>
+          <p:cNvPr id="6" name="Footer Placeholder 5"/>
+          <p:cNvSpPr>
+            <a:spLocks noGrp="1"/>
+          </p:cNvSpPr>
+          <p:nvPr>
+            <p:ph type="ftr" sz="quarter" idx="4"/>
+          </p:nvPr>
+        </p:nvSpPr>
+        <p:spPr>
+          <a:xfrm>
+            <a:off x="0" y="8685213"/>
+            <a:ext cx="2971800" cy="458787"/>
+          </a:xfrm>
+          <a:prstGeom prst="rect">
+            <a:avLst/>
+          </a:prstGeom>
+        </p:spPr>
+        <p:txBody>
+          <a:bodyPr vert="horz" lIns="91440" tIns="45720" rIns="91440" bIns="45720" rtlCol="0" anchor="b"/>
+          <a:lstStyle>
+            <a:lvl1pPr algn="l">
+              <a:defRPr sz="1200"/>
+            </a:lvl1pPr>
+          </a:lstStyle>
+          <a:p>
+            <a:endParaRPr lang="en-US"/>
+          </a:p>
+        </p:txBody>
+      </p:sp>
+      <p:sp>
+        <p:nvSpPr>
+          <p:cNvPr id="7" name="Slide Number Placeholder 6"/>
+          <p:cNvSpPr>
+            <a:spLocks noGrp="1"/>
+          </p:cNvSpPr>
+          <p:nvPr>
+            <p:ph type="sldNum" sz="quarter" idx="5"/>
+          </p:nvPr>
+        </p:nvSpPr>
+        <p:spPr>
+          <a:xfrm>
+            <a:off x="3884613" y="8685213"/>
+            <a:ext cx="2971800" cy="458787"/>
+          </a:xfrm>
+          <a:prstGeom prst="rect">
+            <a:avLst/>
+          </a:prstGeom>
+        </p:spPr>
+        <p:txBody>
+          <a:bodyPr vert="horz" lIns="91440" tIns="45720" rIns="91440" bIns="45720" rtlCol="0" anchor="b"/>
+          <a:lstStyle>
+            <a:lvl1pPr algn="r">
+              <a:defRPr sz="1200"/>
+            </a:lvl1pPr>
+          </a:lstStyle>
+          <a:p>
+            <a:fld id="{414A9C24-F0E8-4D37-BCBE-75261BA7258A}" type="slidenum">
+              <a:rPr lang="en-US" smtClean="0"/>
+              <a:t>‹#›</a:t>
+            </a:fld>
+            <a:endParaRPr lang="en-US"/>
+          </a:p>
+        </p:txBody>
+      </p:sp>
+    </p:spTree>
+    <p:extLst>
+      <p:ext uri="{BB962C8B-B14F-4D97-AF65-F5344CB8AC3E}">
+        <p14:creationId xmlns:p14="http://schemas.microsoft.com/office/powerpoint/2010/main" val="3062236192"/>
+      </p:ext>
+    </p:extLst>
+  </p:cSld>
+  <p:clrMap bg1="lt1" tx1="dk1" bg2="lt2" tx2="dk2" accent1="accent1" accent2="accent2" accent3="accent3" accent4="accent4" accent5="accent5" accent6="accent6" hlink="hlink" folHlink="folHlink"/>
+  <p:notesStyle>
+    <a:lvl1pPr marL="0" algn="l" defTabSz="914400" rtl="0" eaLnBrk="1" latinLnBrk="0" hangingPunct="1">
+      <a:defRPr sz="1200" kern="1200">
+        <a:solidFill>
+          <a:schemeClr val="tx1"/>
+        </a:solidFill>
+        <a:latin typeface="+mn-lt"/>
+        <a:ea typeface="+mn-ea"/>
+        <a:cs typeface="+mn-cs"/>
+      </a:defRPr>
+    </a:lvl1pPr>
+    <a:lvl2pPr marL="457200" algn="l" defTabSz="914400" rtl="0" eaLnBrk="1" latinLnBrk="0" hangingPunct="1">
+      <a:defRPr sz="1200" kern="1200">
+        <a:solidFill>
+          <a:schemeClr val="tx1"/>
+        </a:solidFill>
+        <a:latin typeface="+mn-lt"/>
+        <a:ea typeface="+mn-ea"/>
+        <a:cs typeface="+mn-cs"/>
+      </a:defRPr>
+    </a:lvl2pPr>
+    <a:lvl3pPr marL="914400" algn="l" defTabSz="914400" rtl="0" eaLnBrk="1" latinLnBrk="0" hangingPunct="1">
+      <a:defRPr sz="1200" kern="1200">
+        <a:solidFill>
+          <a:schemeClr val="tx1"/>
+        </a:solidFill>
+        <a:latin typeface="+mn-lt"/>
+        <a:ea typeface="+mn-ea"/>
+        <a:cs typeface="+mn-cs"/>
+      </a:defRPr>
+    </a:lvl3pPr>
+    <a:lvl4pPr marL="1371600" algn="l" defTabSz="914400" rtl="0" eaLnBrk="1" latinLnBrk="0" hangingPunct="1">
+      <a:defRPr sz="1200" kern="1200">
+        <a:solidFill>
+          <a:schemeClr val="tx1"/>
+        </a:solidFill>
+        <a:latin typeface="+mn-lt"/>
+        <a:ea typeface="+mn-ea"/>
+        <a:cs typeface="+mn-cs"/>
+      </a:defRPr>
+    </a:lvl4pPr>
+    <a:lvl5pPr marL="1828800" algn="l" defTabSz="914400" rtl="0" eaLnBrk="1" latinLnBrk="0" hangingPunct="1">
+      <a:defRPr sz="1200" kern="1200">
+        <a:solidFill>
+          <a:schemeClr val="tx1"/>
+        </a:solidFill>
+        <a:latin typeface="+mn-lt"/>
+        <a:ea typeface="+mn-ea"/>
+        <a:cs typeface="+mn-cs"/>
+      </a:defRPr>
+    </a:lvl5pPr>
+    <a:lvl6pPr marL="2286000" algn="l" defTabSz="914400" rtl="0" eaLnBrk="1" latinLnBrk="0" hangingPunct="1">
+      <a:defRPr sz="1200" kern="1200">
+        <a:solidFill>
+          <a:schemeClr val="tx1"/>
+        </a:solidFill>
+        <a:latin typeface="+mn-lt"/>
+        <a:ea typeface="+mn-ea"/>
+        <a:cs typeface="+mn-cs"/>
+      </a:defRPr>
+    </a:lvl6pPr>
+    <a:lvl7pPr marL="2743200" algn="l" defTabSz="914400" rtl="0" eaLnBrk="1" latinLnBrk="0" hangingPunct="1">
+      <a:defRPr sz="1200" kern="1200">
+        <a:solidFill>
+          <a:schemeClr val="tx1"/>
+        </a:solidFill>
+        <a:latin typeface="+mn-lt"/>
+        <a:ea typeface="+mn-ea"/>
+        <a:cs typeface="+mn-cs"/>
+      </a:defRPr>
+    </a:lvl7pPr>
+    <a:lvl8pPr marL="3200400" algn="l" defTabSz="914400" rtl="0" eaLnBrk="1" latinLnBrk="0" hangingPunct="1">
+      <a:defRPr sz="1200" kern="1200">
+        <a:solidFill>
+          <a:schemeClr val="tx1"/>
+        </a:solidFill>
+        <a:latin typeface="+mn-lt"/>
+        <a:ea typeface="+mn-ea"/>
+        <a:cs typeface="+mn-cs"/>
+      </a:defRPr>
+    </a:lvl8pPr>
+    <a:lvl9pPr marL="3657600" algn="l" defTabSz="914400" rtl="0" eaLnBrk="1" latinLnBrk="0" hangingPunct="1">
+      <a:defRPr sz="1200" kern="1200">
+        <a:solidFill>
+          <a:schemeClr val="tx1"/>
+        </a:solidFill>
+        <a:latin typeface="+mn-lt"/>
+        <a:ea typeface="+mn-ea"/>
+        <a:cs typeface="+mn-cs"/>
+      </a:defRPr>
+    </a:lvl9pPr>
+  </p:notesStyle>
+</p:notesMaster>
+</file>
+
+<file path=ppt/notesSlides/notesSlide1.xml><?xml version="1.0" encoding="utf-8"?>
+<p:notes xmlns:a="http://schemas.openxmlformats.org/drawingml/2006/main" xmlns:r="http://schemas.openxmlformats.org/officeDocument/2006/relationships" xmlns:p="http://schemas.openxmlformats.org/presentationml/2006/main">
+  <p:cSld>
+    <p:spTree>
+      <p:nvGrpSpPr>
+        <p:cNvPr id="1" name=""/>
+        <p:cNvGrpSpPr/>
+        <p:nvPr/>
+      </p:nvGrpSpPr>
+      <p:grpSpPr>
+        <a:xfrm>
+          <a:off x="0" y="0"/>
+          <a:ext cx="0" cy="0"/>
+          <a:chOff x="0" y="0"/>
+          <a:chExt cx="0" cy="0"/>
+        </a:xfrm>
+      </p:grpSpPr>
+      <p:sp>
+        <p:nvSpPr>
+          <p:cNvPr id="2" name="Slide Image Placeholder 1"/>
+          <p:cNvSpPr>
+            <a:spLocks noGrp="1" noRot="1" noChangeAspect="1"/>
+          </p:cNvSpPr>
+          <p:nvPr>
+            <p:ph type="sldImg"/>
+          </p:nvPr>
+        </p:nvSpPr>
+        <p:spPr/>
+      </p:sp>
+      <p:sp>
+        <p:nvSpPr>
+          <p:cNvPr id="3" name="Notes Placeholder 2"/>
+          <p:cNvSpPr>
+            <a:spLocks noGrp="1"/>
+          </p:cNvSpPr>
+          <p:nvPr>
+            <p:ph type="body" idx="1"/>
+          </p:nvPr>
+        </p:nvSpPr>
+        <p:spPr/>
+        <p:txBody>
+          <a:bodyPr/>
+          <a:lstStyle/>
+          <a:p>
+            <a:r>
+              <a:rPr lang="en-US" sz="1200" b="1" i="0" kern="1200" dirty="0" smtClean="0">
+                <a:solidFill>
+                  <a:schemeClr val="tx1"/>
+                </a:solidFill>
+                <a:effectLst/>
+                <a:latin typeface="+mn-lt"/>
+                <a:ea typeface="+mn-ea"/>
+                <a:cs typeface="+mn-cs"/>
+              </a:rPr>
+              <a:t>Classes</a:t>
+            </a:r>
+            <a:r>
+              <a:rPr lang="en-US" sz="1200" b="0" i="0" kern="1200" dirty="0" smtClean="0">
+                <a:solidFill>
+                  <a:schemeClr val="tx1"/>
+                </a:solidFill>
+                <a:effectLst/>
+                <a:latin typeface="+mn-lt"/>
+                <a:ea typeface="+mn-ea"/>
+                <a:cs typeface="+mn-cs"/>
+              </a:rPr>
+              <a:t>: </a:t>
+            </a:r>
+            <a:r>
+              <a:rPr lang="en-US" sz="1200" b="0" i="0" kern="1200" dirty="0" err="1" smtClean="0">
+                <a:solidFill>
+                  <a:schemeClr val="tx1"/>
+                </a:solidFill>
+                <a:effectLst/>
+                <a:latin typeface="+mn-lt"/>
+                <a:ea typeface="+mn-ea"/>
+                <a:cs typeface="+mn-cs"/>
+              </a:rPr>
+              <a:t>TypeScript</a:t>
+            </a:r>
+            <a:r>
+              <a:rPr lang="en-US" sz="1200" b="0" i="0" kern="1200" dirty="0" smtClean="0">
+                <a:solidFill>
+                  <a:schemeClr val="tx1"/>
+                </a:solidFill>
+                <a:effectLst/>
+                <a:latin typeface="+mn-lt"/>
+                <a:ea typeface="+mn-ea"/>
+                <a:cs typeface="+mn-cs"/>
+              </a:rPr>
+              <a:t> introduces the notion of class-based object-oriented programming. This makes it fairly simple to structure code into classes, create class hierarchies, and manage the scope and visibility of methods and data throughout the system.</a:t>
+            </a:r>
+          </a:p>
+          <a:p>
+            <a:endParaRPr lang="en-NZ" sz="1200" b="0" i="0" kern="1200" dirty="0" smtClean="0">
+              <a:solidFill>
+                <a:schemeClr val="tx1"/>
+              </a:solidFill>
+              <a:effectLst/>
+              <a:latin typeface="+mn-lt"/>
+              <a:ea typeface="+mn-ea"/>
+              <a:cs typeface="+mn-cs"/>
+            </a:endParaRPr>
+          </a:p>
+          <a:p>
+            <a:pPr marL="0" marR="0" indent="0" algn="l" defTabSz="914400" rtl="0" eaLnBrk="1" fontAlgn="auto" latinLnBrk="0" hangingPunct="1">
+              <a:lnSpc>
+                <a:spcPct val="100000"/>
+              </a:lnSpc>
+              <a:spcBef>
+                <a:spcPts val="0"/>
+              </a:spcBef>
+              <a:spcAft>
+                <a:spcPts val="0"/>
+              </a:spcAft>
+              <a:buClrTx/>
+              <a:buSzTx/>
+              <a:buFontTx/>
+              <a:buNone/>
+              <a:tabLst/>
+              <a:defRPr/>
+            </a:pPr>
+            <a:r>
+              <a:rPr lang="en-US" sz="1200" b="1" i="0" u="none" strike="noStrike" kern="1200" dirty="0" smtClean="0">
+                <a:solidFill>
+                  <a:schemeClr val="tx1"/>
+                </a:solidFill>
+                <a:effectLst/>
+                <a:latin typeface="+mn-lt"/>
+                <a:ea typeface="+mn-ea"/>
+                <a:cs typeface="+mn-cs"/>
+              </a:rPr>
+              <a:t>Modules:</a:t>
+            </a:r>
+            <a:r>
+              <a:rPr lang="en-US" sz="1200" b="1" i="0" u="none" strike="noStrike" kern="1200" baseline="0" dirty="0" smtClean="0">
+                <a:solidFill>
+                  <a:schemeClr val="tx1"/>
+                </a:solidFill>
+                <a:effectLst/>
+                <a:latin typeface="+mn-lt"/>
+                <a:ea typeface="+mn-ea"/>
+                <a:cs typeface="+mn-cs"/>
+              </a:rPr>
+              <a:t> </a:t>
+            </a:r>
+            <a:r>
+              <a:rPr lang="en-US" sz="1200" b="0" i="0" kern="1200" dirty="0" err="1" smtClean="0">
+                <a:solidFill>
+                  <a:schemeClr val="tx1"/>
+                </a:solidFill>
+                <a:effectLst/>
+                <a:latin typeface="+mn-lt"/>
+                <a:ea typeface="+mn-ea"/>
+                <a:cs typeface="+mn-cs"/>
+              </a:rPr>
+              <a:t>TypeScript’s</a:t>
+            </a:r>
+            <a:r>
+              <a:rPr lang="en-US" sz="1200" b="0" i="0" kern="1200" dirty="0" smtClean="0">
+                <a:solidFill>
+                  <a:schemeClr val="tx1"/>
+                </a:solidFill>
+                <a:effectLst/>
+                <a:latin typeface="+mn-lt"/>
+                <a:ea typeface="+mn-ea"/>
+                <a:cs typeface="+mn-cs"/>
+              </a:rPr>
+              <a:t> modules are similar to namespaces in C#, allow defining variables, functions, classes off of the global scope. </a:t>
+            </a:r>
+            <a:r>
+              <a:rPr lang="en-US" sz="1200" b="0" i="0" kern="1200" dirty="0" err="1" smtClean="0">
+                <a:solidFill>
+                  <a:schemeClr val="tx1"/>
+                </a:solidFill>
+                <a:effectLst/>
+                <a:latin typeface="+mn-lt"/>
+                <a:ea typeface="+mn-ea"/>
+                <a:cs typeface="+mn-cs"/>
+              </a:rPr>
+              <a:t>TypeScript</a:t>
+            </a:r>
+            <a:r>
+              <a:rPr lang="en-US" sz="1200" b="0" i="0" kern="1200" dirty="0" smtClean="0">
+                <a:solidFill>
+                  <a:schemeClr val="tx1"/>
+                </a:solidFill>
+                <a:effectLst/>
+                <a:latin typeface="+mn-lt"/>
+                <a:ea typeface="+mn-ea"/>
+                <a:cs typeface="+mn-cs"/>
+              </a:rPr>
+              <a:t> also uses modules to declare the API that third-party libraries expose. It’s done through so called “ambient internal or external modules,” which contain only declarations and interfaces, but no implementation. This way it’s possible to provide the same level of IDE / type checker support for code that is available in pure JavaScript as if it was written in </a:t>
+            </a:r>
+            <a:r>
+              <a:rPr lang="en-US" sz="1200" b="0" i="0" kern="1200" dirty="0" err="1" smtClean="0">
+                <a:solidFill>
+                  <a:schemeClr val="tx1"/>
+                </a:solidFill>
+                <a:effectLst/>
+                <a:latin typeface="+mn-lt"/>
+                <a:ea typeface="+mn-ea"/>
+                <a:cs typeface="+mn-cs"/>
+              </a:rPr>
+              <a:t>TypeScript</a:t>
+            </a:r>
+            <a:r>
+              <a:rPr lang="en-US" sz="1200" b="0" i="0" kern="1200" dirty="0" smtClean="0">
+                <a:solidFill>
+                  <a:schemeClr val="tx1"/>
+                </a:solidFill>
+                <a:effectLst/>
+                <a:latin typeface="+mn-lt"/>
+                <a:ea typeface="+mn-ea"/>
+                <a:cs typeface="+mn-cs"/>
+              </a:rPr>
+              <a:t>. Such ambient declarations are stored in “.</a:t>
+            </a:r>
+            <a:r>
+              <a:rPr lang="en-US" sz="1200" b="0" i="0" kern="1200" dirty="0" err="1" smtClean="0">
+                <a:solidFill>
+                  <a:schemeClr val="tx1"/>
+                </a:solidFill>
+                <a:effectLst/>
+                <a:latin typeface="+mn-lt"/>
+                <a:ea typeface="+mn-ea"/>
+                <a:cs typeface="+mn-cs"/>
+              </a:rPr>
+              <a:t>d.ts</a:t>
+            </a:r>
+            <a:r>
+              <a:rPr lang="en-US" sz="1200" b="0" i="0" kern="1200" dirty="0" smtClean="0">
+                <a:solidFill>
+                  <a:schemeClr val="tx1"/>
+                </a:solidFill>
+                <a:effectLst/>
+                <a:latin typeface="+mn-lt"/>
+                <a:ea typeface="+mn-ea"/>
+                <a:cs typeface="+mn-cs"/>
+              </a:rPr>
+              <a:t>” files.</a:t>
+            </a:r>
+          </a:p>
+          <a:p>
+            <a:pPr marL="0" marR="0" indent="0" algn="l" defTabSz="914400" rtl="0" eaLnBrk="1" fontAlgn="auto" latinLnBrk="0" hangingPunct="1">
+              <a:lnSpc>
+                <a:spcPct val="100000"/>
+              </a:lnSpc>
+              <a:spcBef>
+                <a:spcPts val="0"/>
+              </a:spcBef>
+              <a:spcAft>
+                <a:spcPts val="0"/>
+              </a:spcAft>
+              <a:buClrTx/>
+              <a:buSzTx/>
+              <a:buFontTx/>
+              <a:buNone/>
+              <a:tabLst/>
+              <a:defRPr/>
+            </a:pPr>
+            <a:endParaRPr lang="en-NZ" sz="1200" b="0" i="0" u="none" strike="noStrike" kern="1200" dirty="0" smtClean="0">
+              <a:solidFill>
+                <a:schemeClr val="tx1"/>
+              </a:solidFill>
+              <a:effectLst/>
+              <a:latin typeface="+mn-lt"/>
+              <a:ea typeface="+mn-ea"/>
+              <a:cs typeface="+mn-cs"/>
+            </a:endParaRPr>
+          </a:p>
+          <a:p>
+            <a:pPr marL="0" marR="0" indent="0" algn="l" defTabSz="914400" rtl="0" eaLnBrk="1" fontAlgn="auto" latinLnBrk="0" hangingPunct="1">
+              <a:lnSpc>
+                <a:spcPct val="100000"/>
+              </a:lnSpc>
+              <a:spcBef>
+                <a:spcPts val="0"/>
+              </a:spcBef>
+              <a:spcAft>
+                <a:spcPts val="0"/>
+              </a:spcAft>
+              <a:buClrTx/>
+              <a:buSzTx/>
+              <a:buFontTx/>
+              <a:buNone/>
+              <a:tabLst/>
+              <a:defRPr/>
+            </a:pPr>
+            <a:r>
+              <a:rPr lang="en-NZ" sz="1200" b="1" i="0" u="none" strike="noStrike" kern="1200" dirty="0" smtClean="0">
+                <a:solidFill>
+                  <a:schemeClr val="tx1"/>
+                </a:solidFill>
+                <a:effectLst/>
+                <a:latin typeface="+mn-lt"/>
+                <a:ea typeface="+mn-ea"/>
+                <a:cs typeface="+mn-cs"/>
+              </a:rPr>
+              <a:t>IDE: </a:t>
+            </a:r>
+            <a:r>
+              <a:rPr lang="en-US" sz="1200" b="0" i="0" kern="1200" dirty="0" smtClean="0">
+                <a:solidFill>
+                  <a:schemeClr val="tx1"/>
+                </a:solidFill>
+                <a:effectLst/>
+                <a:latin typeface="+mn-lt"/>
+                <a:ea typeface="+mn-ea"/>
+                <a:cs typeface="+mn-cs"/>
+              </a:rPr>
+              <a:t>Typos caught at compilation time, </a:t>
+            </a:r>
+            <a:r>
+              <a:rPr lang="en-US" sz="1200" b="0" i="0" kern="1200" dirty="0" err="1" smtClean="0">
+                <a:solidFill>
+                  <a:schemeClr val="tx1"/>
+                </a:solidFill>
+                <a:effectLst/>
+                <a:latin typeface="+mn-lt"/>
+                <a:ea typeface="+mn-ea"/>
+                <a:cs typeface="+mn-cs"/>
+              </a:rPr>
+              <a:t>intellisense</a:t>
+            </a:r>
+            <a:r>
+              <a:rPr lang="en-US" sz="1200" b="0" i="0" kern="1200" dirty="0" smtClean="0">
+                <a:solidFill>
+                  <a:schemeClr val="tx1"/>
+                </a:solidFill>
+                <a:effectLst/>
+                <a:latin typeface="+mn-lt"/>
+                <a:ea typeface="+mn-ea"/>
+                <a:cs typeface="+mn-cs"/>
+              </a:rPr>
+              <a:t>, and code navigation.</a:t>
+            </a:r>
+          </a:p>
+          <a:p>
+            <a:pPr marL="0" marR="0" indent="0" algn="l" defTabSz="914400" rtl="0" eaLnBrk="1" fontAlgn="auto" latinLnBrk="0" hangingPunct="1">
+              <a:lnSpc>
+                <a:spcPct val="100000"/>
+              </a:lnSpc>
+              <a:spcBef>
+                <a:spcPts val="0"/>
+              </a:spcBef>
+              <a:spcAft>
+                <a:spcPts val="0"/>
+              </a:spcAft>
+              <a:buClrTx/>
+              <a:buSzTx/>
+              <a:buFontTx/>
+              <a:buNone/>
+              <a:tabLst/>
+              <a:defRPr/>
+            </a:pPr>
+            <a:endParaRPr lang="en-US" sz="1200" b="1" i="0" u="none" strike="noStrike" kern="1200" dirty="0" smtClean="0">
+              <a:solidFill>
+                <a:schemeClr val="tx1"/>
+              </a:solidFill>
+              <a:effectLst/>
+              <a:latin typeface="+mn-lt"/>
+              <a:ea typeface="+mn-ea"/>
+              <a:cs typeface="+mn-cs"/>
+            </a:endParaRPr>
+          </a:p>
+          <a:p>
+            <a:endParaRPr lang="en-US" dirty="0"/>
+          </a:p>
+        </p:txBody>
+      </p:sp>
+      <p:sp>
+        <p:nvSpPr>
+          <p:cNvPr id="4" name="Slide Number Placeholder 3"/>
+          <p:cNvSpPr>
+            <a:spLocks noGrp="1"/>
+          </p:cNvSpPr>
+          <p:nvPr>
+            <p:ph type="sldNum" sz="quarter" idx="10"/>
+          </p:nvPr>
+        </p:nvSpPr>
+        <p:spPr/>
+        <p:txBody>
+          <a:bodyPr/>
+          <a:lstStyle/>
+          <a:p>
+            <a:fld id="{414A9C24-F0E8-4D37-BCBE-75261BA7258A}" type="slidenum">
+              <a:rPr lang="en-US" smtClean="0"/>
+              <a:t>5</a:t>
+            </a:fld>
+            <a:endParaRPr lang="en-US"/>
+          </a:p>
+        </p:txBody>
+      </p:sp>
+    </p:spTree>
+    <p:extLst>
+      <p:ext uri="{BB962C8B-B14F-4D97-AF65-F5344CB8AC3E}">
+        <p14:creationId xmlns:p14="http://schemas.microsoft.com/office/powerpoint/2010/main" val="565535317"/>
+      </p:ext>
+    </p:extLst>
+  </p:cSld>
+  <p:clrMapOvr>
+    <a:masterClrMapping/>
+  </p:clrMapOvr>
+</p:notes>
 </file>
 
 <file path=ppt/slideLayouts/slideLayout1.xml><?xml version="1.0" encoding="utf-8"?>
@@ -7898,8 +8671,8 @@
               <a:t>It is free and </a:t>
             </a:r>
             <a:r>
-              <a:rPr lang="en-US" dirty="0" err="1" smtClean="0"/>
-              <a:t>opensource</a:t>
+              <a:rPr lang="en-US" dirty="0" smtClean="0"/>
+              <a:t>open source</a:t>
             </a:r>
             <a:endParaRPr lang="en-US" dirty="0" smtClean="0"/>
           </a:p>
@@ -8074,6 +8847,97 @@
 </file>
 
 <file path=ppt/slides/slide5.xml><?xml version="1.0" encoding="utf-8"?>
+<p:sld xmlns:a="http://schemas.openxmlformats.org/drawingml/2006/main" xmlns:r="http://schemas.openxmlformats.org/officeDocument/2006/relationships" xmlns:p="http://schemas.openxmlformats.org/presentationml/2006/main">
+  <p:cSld>
+    <p:spTree>
+      <p:nvGrpSpPr>
+        <p:cNvPr id="1" name=""/>
+        <p:cNvGrpSpPr/>
+        <p:nvPr/>
+      </p:nvGrpSpPr>
+      <p:grpSpPr>
+        <a:xfrm>
+          <a:off x="0" y="0"/>
+          <a:ext cx="0" cy="0"/>
+          <a:chOff x="0" y="0"/>
+          <a:chExt cx="0" cy="0"/>
+        </a:xfrm>
+      </p:grpSpPr>
+      <p:sp>
+        <p:nvSpPr>
+          <p:cNvPr id="2" name="Title 1"/>
+          <p:cNvSpPr>
+            <a:spLocks noGrp="1"/>
+          </p:cNvSpPr>
+          <p:nvPr>
+            <p:ph type="title"/>
+          </p:nvPr>
+        </p:nvSpPr>
+        <p:spPr/>
+        <p:txBody>
+          <a:bodyPr/>
+          <a:lstStyle/>
+          <a:p>
+            <a:r>
+              <a:rPr lang="en-NZ" dirty="0" smtClean="0"/>
+              <a:t>Why do we need typescript</a:t>
+            </a:r>
+            <a:endParaRPr lang="en-US" dirty="0"/>
+          </a:p>
+        </p:txBody>
+      </p:sp>
+      <p:sp>
+        <p:nvSpPr>
+          <p:cNvPr id="3" name="Content Placeholder 2"/>
+          <p:cNvSpPr>
+            <a:spLocks noGrp="1"/>
+          </p:cNvSpPr>
+          <p:nvPr>
+            <p:ph idx="1"/>
+          </p:nvPr>
+        </p:nvSpPr>
+        <p:spPr/>
+        <p:txBody>
+          <a:bodyPr/>
+          <a:lstStyle/>
+          <a:p>
+            <a:r>
+              <a:rPr lang="en-NZ" dirty="0" smtClean="0"/>
+              <a:t>Classes</a:t>
+            </a:r>
+          </a:p>
+          <a:p>
+            <a:r>
+              <a:rPr lang="en-US" dirty="0" smtClean="0"/>
+              <a:t>Modules</a:t>
+            </a:r>
+          </a:p>
+          <a:p>
+            <a:r>
+              <a:rPr lang="en-NZ" dirty="0" smtClean="0"/>
+              <a:t>Rich IDE support</a:t>
+            </a:r>
+            <a:endParaRPr lang="en-US" dirty="0"/>
+          </a:p>
+          <a:p>
+            <a:endParaRPr lang="en-US" dirty="0"/>
+          </a:p>
+        </p:txBody>
+      </p:sp>
+    </p:spTree>
+    <p:extLst>
+      <p:ext uri="{BB962C8B-B14F-4D97-AF65-F5344CB8AC3E}">
+        <p14:creationId xmlns:p14="http://schemas.microsoft.com/office/powerpoint/2010/main" val="2688621960"/>
+      </p:ext>
+    </p:extLst>
+  </p:cSld>
+  <p:clrMapOvr>
+    <a:masterClrMapping/>
+  </p:clrMapOvr>
+</p:sld>
+</file>
+
+<file path=ppt/slides/slide6.xml><?xml version="1.0" encoding="utf-8"?>
 <p:sld xmlns:a="http://schemas.openxmlformats.org/drawingml/2006/main" xmlns:r="http://schemas.openxmlformats.org/officeDocument/2006/relationships" xmlns:p="http://schemas.openxmlformats.org/presentationml/2006/main">
   <p:cSld>
     <p:spTree>
@@ -8456,4 +9320,265 @@
     </a:ext>
   </a:extLst>
 </a:theme>
+</file>
+
+<file path=ppt/theme/theme2.xml><?xml version="1.0" encoding="utf-8"?>
+<a:theme xmlns:a="http://schemas.openxmlformats.org/drawingml/2006/main" name="Office Theme">
+  <a:themeElements>
+    <a:clrScheme name="Office">
+      <a:dk1>
+        <a:sysClr val="windowText" lastClr="000000"/>
+      </a:dk1>
+      <a:lt1>
+        <a:sysClr val="window" lastClr="FFFFFF"/>
+      </a:lt1>
+      <a:dk2>
+        <a:srgbClr val="44546A"/>
+      </a:dk2>
+      <a:lt2>
+        <a:srgbClr val="E7E6E6"/>
+      </a:lt2>
+      <a:accent1>
+        <a:srgbClr val="5B9BD5"/>
+      </a:accent1>
+      <a:accent2>
+        <a:srgbClr val="ED7D31"/>
+      </a:accent2>
+      <a:accent3>
+        <a:srgbClr val="A5A5A5"/>
+      </a:accent3>
+      <a:accent4>
+        <a:srgbClr val="FFC000"/>
+      </a:accent4>
+      <a:accent5>
+        <a:srgbClr val="4472C4"/>
+      </a:accent5>
+      <a:accent6>
+        <a:srgbClr val="70AD47"/>
+      </a:accent6>
+      <a:hlink>
+        <a:srgbClr val="0563C1"/>
+      </a:hlink>
+      <a:folHlink>
+        <a:srgbClr val="954F72"/>
+      </a:folHlink>
+    </a:clrScheme>
+    <a:fontScheme name="Office">
+      <a:majorFont>
+        <a:latin typeface="Calibri Light" panose="020F0302020204030204"/>
+        <a:ea typeface=""/>
+        <a:cs typeface=""/>
+        <a:font script="Jpan" typeface="ＭＳ Ｐゴシック"/>
+        <a:font script="Hang" typeface="맑은 고딕"/>
+        <a:font script="Hans" typeface="宋体"/>
+        <a:font script="Hant" typeface="新細明體"/>
+        <a:font script="Arab" typeface="Times New Roman"/>
+        <a:font script="Hebr" typeface="Times New Roman"/>
+        <a:font script="Thai" typeface="Angsana New"/>
+        <a:font script="Ethi" typeface="Nyala"/>
+        <a:font script="Beng" typeface="Vrinda"/>
+        <a:font script="Gujr" typeface="Shruti"/>
+        <a:font script="Khmr" typeface="MoolBoran"/>
+        <a:font script="Knda" typeface="Tunga"/>
+        <a:font script="Guru" typeface="Raavi"/>
+        <a:font script="Cans" typeface="Euphemia"/>
+        <a:font script="Cher" typeface="Plantagenet Cherokee"/>
+        <a:font script="Yiii" typeface="Microsoft Yi Baiti"/>
+        <a:font script="Tibt" typeface="Microsoft Himalaya"/>
+        <a:font script="Thaa" typeface="MV Boli"/>
+        <a:font script="Deva" typeface="Mangal"/>
+        <a:font script="Telu" typeface="Gautami"/>
+        <a:font script="Taml" typeface="Latha"/>
+        <a:font script="Syrc" typeface="Estrangelo Edessa"/>
+        <a:font script="Orya" typeface="Kalinga"/>
+        <a:font script="Mlym" typeface="Kartika"/>
+        <a:font script="Laoo" typeface="DokChampa"/>
+        <a:font script="Sinh" typeface="Iskoola Pota"/>
+        <a:font script="Mong" typeface="Mongolian Baiti"/>
+        <a:font script="Viet" typeface="Times New Roman"/>
+        <a:font script="Uigh" typeface="Microsoft Uighur"/>
+        <a:font script="Geor" typeface="Sylfaen"/>
+      </a:majorFont>
+      <a:minorFont>
+        <a:latin typeface="Calibri" panose="020F0502020204030204"/>
+        <a:ea typeface=""/>
+        <a:cs typeface=""/>
+        <a:font script="Jpan" typeface="ＭＳ Ｐゴシック"/>
+        <a:font script="Hang" typeface="맑은 고딕"/>
+        <a:font script="Hans" typeface="宋体"/>
+        <a:font script="Hant" typeface="新細明體"/>
+        <a:font script="Arab" typeface="Arial"/>
+        <a:font script="Hebr" typeface="Arial"/>
+        <a:font script="Thai" typeface="Cordia New"/>
+        <a:font script="Ethi" typeface="Nyala"/>
+        <a:font script="Beng" typeface="Vrinda"/>
+        <a:font script="Gujr" typeface="Shruti"/>
+        <a:font script="Khmr" typeface="DaunPenh"/>
+        <a:font script="Knda" typeface="Tunga"/>
+        <a:font script="Guru" typeface="Raavi"/>
+        <a:font script="Cans" typeface="Euphemia"/>
+        <a:font script="Cher" typeface="Plantagenet Cherokee"/>
+        <a:font script="Yiii" typeface="Microsoft Yi Baiti"/>
+        <a:font script="Tibt" typeface="Microsoft Himalaya"/>
+        <a:font script="Thaa" typeface="MV Boli"/>
+        <a:font script="Deva" typeface="Mangal"/>
+        <a:font script="Telu" typeface="Gautami"/>
+        <a:font script="Taml" typeface="Latha"/>
+        <a:font script="Syrc" typeface="Estrangelo Edessa"/>
+        <a:font script="Orya" typeface="Kalinga"/>
+        <a:font script="Mlym" typeface="Kartika"/>
+        <a:font script="Laoo" typeface="DokChampa"/>
+        <a:font script="Sinh" typeface="Iskoola Pota"/>
+        <a:font script="Mong" typeface="Mongolian Baiti"/>
+        <a:font script="Viet" typeface="Arial"/>
+        <a:font script="Uigh" typeface="Microsoft Uighur"/>
+        <a:font script="Geor" typeface="Sylfaen"/>
+      </a:minorFont>
+    </a:fontScheme>
+    <a:fmtScheme name="Office">
+      <a:fillStyleLst>
+        <a:solidFill>
+          <a:schemeClr val="phClr"/>
+        </a:solidFill>
+        <a:gradFill rotWithShape="1">
+          <a:gsLst>
+            <a:gs pos="0">
+              <a:schemeClr val="phClr">
+                <a:lumMod val="110000"/>
+                <a:satMod val="105000"/>
+                <a:tint val="67000"/>
+              </a:schemeClr>
+            </a:gs>
+            <a:gs pos="50000">
+              <a:schemeClr val="phClr">
+                <a:lumMod val="105000"/>
+                <a:satMod val="103000"/>
+                <a:tint val="73000"/>
+              </a:schemeClr>
+            </a:gs>
+            <a:gs pos="100000">
+              <a:schemeClr val="phClr">
+                <a:lumMod val="105000"/>
+                <a:satMod val="109000"/>
+                <a:tint val="81000"/>
+              </a:schemeClr>
+            </a:gs>
+          </a:gsLst>
+          <a:lin ang="5400000" scaled="0"/>
+        </a:gradFill>
+        <a:gradFill rotWithShape="1">
+          <a:gsLst>
+            <a:gs pos="0">
+              <a:schemeClr val="phClr">
+                <a:satMod val="103000"/>
+                <a:lumMod val="102000"/>
+                <a:tint val="94000"/>
+              </a:schemeClr>
+            </a:gs>
+            <a:gs pos="50000">
+              <a:schemeClr val="phClr">
+                <a:satMod val="110000"/>
+                <a:lumMod val="100000"/>
+                <a:shade val="100000"/>
+              </a:schemeClr>
+            </a:gs>
+            <a:gs pos="100000">
+              <a:schemeClr val="phClr">
+                <a:lumMod val="99000"/>
+                <a:satMod val="120000"/>
+                <a:shade val="78000"/>
+              </a:schemeClr>
+            </a:gs>
+          </a:gsLst>
+          <a:lin ang="5400000" scaled="0"/>
+        </a:gradFill>
+      </a:fillStyleLst>
+      <a:lnStyleLst>
+        <a:ln w="6350" cap="flat" cmpd="sng" algn="ctr">
+          <a:solidFill>
+            <a:schemeClr val="phClr"/>
+          </a:solidFill>
+          <a:prstDash val="solid"/>
+          <a:miter lim="800000"/>
+        </a:ln>
+        <a:ln w="12700" cap="flat" cmpd="sng" algn="ctr">
+          <a:solidFill>
+            <a:schemeClr val="phClr"/>
+          </a:solidFill>
+          <a:prstDash val="solid"/>
+          <a:miter lim="800000"/>
+        </a:ln>
+        <a:ln w="19050" cap="flat" cmpd="sng" algn="ctr">
+          <a:solidFill>
+            <a:schemeClr val="phClr"/>
+          </a:solidFill>
+          <a:prstDash val="solid"/>
+          <a:miter lim="800000"/>
+        </a:ln>
+      </a:lnStyleLst>
+      <a:effectStyleLst>
+        <a:effectStyle>
+          <a:effectLst/>
+        </a:effectStyle>
+        <a:effectStyle>
+          <a:effectLst/>
+        </a:effectStyle>
+        <a:effectStyle>
+          <a:effectLst>
+            <a:outerShdw blurRad="57150" dist="19050" dir="5400000" algn="ctr" rotWithShape="0">
+              <a:srgbClr val="000000">
+                <a:alpha val="63000"/>
+              </a:srgbClr>
+            </a:outerShdw>
+          </a:effectLst>
+        </a:effectStyle>
+      </a:effectStyleLst>
+      <a:bgFillStyleLst>
+        <a:solidFill>
+          <a:schemeClr val="phClr"/>
+        </a:solidFill>
+        <a:solidFill>
+          <a:schemeClr val="phClr">
+            <a:tint val="95000"/>
+            <a:satMod val="170000"/>
+          </a:schemeClr>
+        </a:solidFill>
+        <a:gradFill rotWithShape="1">
+          <a:gsLst>
+            <a:gs pos="0">
+              <a:schemeClr val="phClr">
+                <a:tint val="93000"/>
+                <a:satMod val="150000"/>
+                <a:shade val="98000"/>
+                <a:lumMod val="102000"/>
+              </a:schemeClr>
+            </a:gs>
+            <a:gs pos="50000">
+              <a:schemeClr val="phClr">
+                <a:tint val="98000"/>
+                <a:satMod val="130000"/>
+                <a:shade val="90000"/>
+                <a:lumMod val="103000"/>
+              </a:schemeClr>
+            </a:gs>
+            <a:gs pos="100000">
+              <a:schemeClr val="phClr">
+                <a:shade val="63000"/>
+                <a:satMod val="120000"/>
+              </a:schemeClr>
+            </a:gs>
+          </a:gsLst>
+          <a:lin ang="5400000" scaled="0"/>
+        </a:gradFill>
+      </a:bgFillStyleLst>
+    </a:fmtScheme>
+  </a:themeElements>
+  <a:objectDefaults/>
+  <a:extraClrSchemeLst/>
+  <a:extLst>
+    <a:ext uri="{05A4C25C-085E-4340-85A3-A5531E510DB2}">
+      <thm15:themeFamily xmlns:thm15="http://schemas.microsoft.com/office/thememl/2012/main" name="Office Theme" id="{62F939B6-93AF-4DB8-9C6B-D6C7DFDC589F}" vid="{4A3C46E8-61CC-4603-A589-7422A47A8E4A}"/>
+    </a:ext>
+  </a:extLst>
+</a:theme>
 </file>
--- a/TypeScript.pptx
+++ b/TypeScript.pptx
@@ -214,7 +214,7 @@
           <a:p>
             <a:fld id="{30CB97A1-5740-48C4-BBB8-C5D8F94E005F}" type="datetimeFigureOut">
               <a:rPr lang="en-US" smtClean="0"/>
-              <a:t>2/17/2016</a:t>
+              <a:t>2/20/2016</a:t>
             </a:fld>
             <a:endParaRPr lang="en-US"/>
           </a:p>
@@ -1078,7 +1078,7 @@
             <a:fld id="{B61BEF0D-F0BB-DE4B-95CE-6DB70DBA9567}" type="datetimeFigureOut">
               <a:rPr lang="en-US" dirty="0"/>
               <a:pPr/>
-              <a:t>2/17/2016</a:t>
+              <a:t>2/20/2016</a:t>
             </a:fld>
             <a:endParaRPr lang="en-US" dirty="0"/>
           </a:p>
@@ -1413,7 +1413,7 @@
             <a:fld id="{B61BEF0D-F0BB-DE4B-95CE-6DB70DBA9567}" type="datetimeFigureOut">
               <a:rPr lang="en-US" dirty="0"/>
               <a:pPr/>
-              <a:t>2/17/2016</a:t>
+              <a:t>2/20/2016</a:t>
             </a:fld>
             <a:endParaRPr lang="en-US" dirty="0"/>
           </a:p>
@@ -1811,7 +1811,7 @@
             <a:fld id="{B61BEF0D-F0BB-DE4B-95CE-6DB70DBA9567}" type="datetimeFigureOut">
               <a:rPr lang="en-US" dirty="0"/>
               <a:pPr/>
-              <a:t>2/17/2016</a:t>
+              <a:t>2/20/2016</a:t>
             </a:fld>
             <a:endParaRPr lang="en-US" dirty="0"/>
           </a:p>
@@ -2143,7 +2143,7 @@
             <a:fld id="{B61BEF0D-F0BB-DE4B-95CE-6DB70DBA9567}" type="datetimeFigureOut">
               <a:rPr lang="en-US" dirty="0"/>
               <a:pPr/>
-              <a:t>2/17/2016</a:t>
+              <a:t>2/20/2016</a:t>
             </a:fld>
             <a:endParaRPr lang="en-US" dirty="0"/>
           </a:p>
@@ -2460,7 +2460,7 @@
             <a:fld id="{B61BEF0D-F0BB-DE4B-95CE-6DB70DBA9567}" type="datetimeFigureOut">
               <a:rPr lang="en-US" dirty="0"/>
               <a:pPr/>
-              <a:t>2/17/2016</a:t>
+              <a:t>2/20/2016</a:t>
             </a:fld>
             <a:endParaRPr lang="en-US" dirty="0"/>
           </a:p>
@@ -2853,7 +2853,7 @@
             <a:fld id="{B61BEF0D-F0BB-DE4B-95CE-6DB70DBA9567}" type="datetimeFigureOut">
               <a:rPr lang="en-US" dirty="0"/>
               <a:pPr/>
-              <a:t>2/17/2016</a:t>
+              <a:t>2/20/2016</a:t>
             </a:fld>
             <a:endParaRPr lang="en-US" dirty="0"/>
           </a:p>
@@ -3107,7 +3107,7 @@
             <a:fld id="{B61BEF0D-F0BB-DE4B-95CE-6DB70DBA9567}" type="datetimeFigureOut">
               <a:rPr lang="en-US" dirty="0"/>
               <a:pPr/>
-              <a:t>2/17/2016</a:t>
+              <a:t>2/20/2016</a:t>
             </a:fld>
             <a:endParaRPr lang="en-US" dirty="0"/>
           </a:p>
@@ -3366,7 +3366,7 @@
             <a:fld id="{B61BEF0D-F0BB-DE4B-95CE-6DB70DBA9567}" type="datetimeFigureOut">
               <a:rPr lang="en-US" dirty="0"/>
               <a:pPr/>
-              <a:t>2/17/2016</a:t>
+              <a:t>2/20/2016</a:t>
             </a:fld>
             <a:endParaRPr lang="en-US" dirty="0"/>
           </a:p>
@@ -3625,7 +3625,7 @@
             <a:fld id="{B61BEF0D-F0BB-DE4B-95CE-6DB70DBA9567}" type="datetimeFigureOut">
               <a:rPr lang="en-US" dirty="0"/>
               <a:pPr/>
-              <a:t>2/17/2016</a:t>
+              <a:t>2/20/2016</a:t>
             </a:fld>
             <a:endParaRPr lang="en-US" dirty="0"/>
           </a:p>
@@ -3951,7 +3951,7 @@
             <a:fld id="{B61BEF0D-F0BB-DE4B-95CE-6DB70DBA9567}" type="datetimeFigureOut">
               <a:rPr lang="en-US" dirty="0"/>
               <a:pPr/>
-              <a:t>2/17/2016</a:t>
+              <a:t>2/20/2016</a:t>
             </a:fld>
             <a:endParaRPr lang="en-US" dirty="0"/>
           </a:p>
@@ -4271,7 +4271,7 @@
             <a:fld id="{B61BEF0D-F0BB-DE4B-95CE-6DB70DBA9567}" type="datetimeFigureOut">
               <a:rPr lang="en-US" dirty="0"/>
               <a:pPr/>
-              <a:t>2/17/2016</a:t>
+              <a:t>2/20/2016</a:t>
             </a:fld>
             <a:endParaRPr lang="en-US" dirty="0"/>
           </a:p>
@@ -4725,7 +4725,7 @@
             <a:fld id="{B61BEF0D-F0BB-DE4B-95CE-6DB70DBA9567}" type="datetimeFigureOut">
               <a:rPr lang="en-US" dirty="0"/>
               <a:pPr/>
-              <a:t>2/17/2016</a:t>
+              <a:t>2/20/2016</a:t>
             </a:fld>
             <a:endParaRPr lang="en-US" dirty="0"/>
           </a:p>
@@ -4927,7 +4927,7 @@
             <a:fld id="{B61BEF0D-F0BB-DE4B-95CE-6DB70DBA9567}" type="datetimeFigureOut">
               <a:rPr lang="en-US" dirty="0"/>
               <a:pPr/>
-              <a:t>2/17/2016</a:t>
+              <a:t>2/20/2016</a:t>
             </a:fld>
             <a:endParaRPr lang="en-US" dirty="0"/>
           </a:p>
@@ -5101,7 +5101,7 @@
             <a:fld id="{B61BEF0D-F0BB-DE4B-95CE-6DB70DBA9567}" type="datetimeFigureOut">
               <a:rPr lang="en-US" dirty="0"/>
               <a:pPr/>
-              <a:t>2/17/2016</a:t>
+              <a:t>2/20/2016</a:t>
             </a:fld>
             <a:endParaRPr lang="en-US" dirty="0"/>
           </a:p>
@@ -5431,7 +5431,7 @@
             <a:fld id="{B61BEF0D-F0BB-DE4B-95CE-6DB70DBA9567}" type="datetimeFigureOut">
               <a:rPr lang="en-US" dirty="0"/>
               <a:pPr/>
-              <a:t>2/17/2016</a:t>
+              <a:t>2/20/2016</a:t>
             </a:fld>
             <a:endParaRPr lang="en-US" dirty="0"/>
           </a:p>
@@ -5773,7 +5773,7 @@
             <a:fld id="{B61BEF0D-F0BB-DE4B-95CE-6DB70DBA9567}" type="datetimeFigureOut">
               <a:rPr lang="en-US" dirty="0"/>
               <a:pPr/>
-              <a:t>2/17/2016</a:t>
+              <a:t>2/20/2016</a:t>
             </a:fld>
             <a:endParaRPr lang="en-US" dirty="0"/>
           </a:p>
@@ -7887,7 +7887,7 @@
             <a:fld id="{B61BEF0D-F0BB-DE4B-95CE-6DB70DBA9567}" type="datetimeFigureOut">
               <a:rPr lang="en-US" dirty="0"/>
               <a:pPr/>
-              <a:t>2/17/2016</a:t>
+              <a:t>2/20/2016</a:t>
             </a:fld>
             <a:endParaRPr lang="en-US" dirty="0"/>
           </a:p>
@@ -8668,13 +8668,8 @@
             </a:pPr>
             <a:r>
               <a:rPr lang="en-US" dirty="0" smtClean="0"/>
-              <a:t>It is free and </a:t>
-            </a:r>
-            <a:r>
-              <a:rPr lang="en-US" dirty="0" smtClean="0"/>
-              <a:t>open source</a:t>
-            </a:r>
-            <a:endParaRPr lang="en-US" dirty="0" smtClean="0"/>
+              <a:t>It is free and open source</a:t>
+            </a:r>
           </a:p>
           <a:p>
             <a:pPr fontAlgn="base">
@@ -8903,14 +8898,28 @@
           <a:p>
             <a:r>
               <a:rPr lang="en-NZ" dirty="0" smtClean="0"/>
-              <a:t>Classes</a:t>
-            </a:r>
+              <a:t>Classes (parent, child, abstract)</a:t>
+            </a:r>
+            <a:endParaRPr lang="en-NZ" dirty="0" smtClean="0"/>
           </a:p>
           <a:p>
             <a:r>
               <a:rPr lang="en-US" dirty="0" smtClean="0"/>
               <a:t>Modules</a:t>
             </a:r>
+          </a:p>
+          <a:p>
+            <a:r>
+              <a:rPr lang="en-US" dirty="0" smtClean="0"/>
+              <a:t>Interfaces</a:t>
+            </a:r>
+          </a:p>
+          <a:p>
+            <a:r>
+              <a:rPr lang="en-US" smtClean="0"/>
+              <a:t>Generics</a:t>
+            </a:r>
+            <a:endParaRPr lang="en-US" dirty="0" smtClean="0"/>
           </a:p>
           <a:p>
             <a:r>

--- a/TypeScript.pptx
+++ b/TypeScript.pptx
@@ -214,7 +214,7 @@
           <a:p>
             <a:fld id="{30CB97A1-5740-48C4-BBB8-C5D8F94E005F}" type="datetimeFigureOut">
               <a:rPr lang="en-US" smtClean="0"/>
-              <a:t>2/20/2016</a:t>
+              <a:t>2/24/2016</a:t>
             </a:fld>
             <a:endParaRPr lang="en-US"/>
           </a:p>
@@ -889,6 +889,147 @@
 </p:notes>
 </file>
 
+<file path=ppt/notesSlides/notesSlide2.xml><?xml version="1.0" encoding="utf-8"?>
+<p:notes xmlns:a="http://schemas.openxmlformats.org/drawingml/2006/main" xmlns:r="http://schemas.openxmlformats.org/officeDocument/2006/relationships" xmlns:p="http://schemas.openxmlformats.org/presentationml/2006/main">
+  <p:cSld>
+    <p:spTree>
+      <p:nvGrpSpPr>
+        <p:cNvPr id="1" name=""/>
+        <p:cNvGrpSpPr/>
+        <p:nvPr/>
+      </p:nvGrpSpPr>
+      <p:grpSpPr>
+        <a:xfrm>
+          <a:off x="0" y="0"/>
+          <a:ext cx="0" cy="0"/>
+          <a:chOff x="0" y="0"/>
+          <a:chExt cx="0" cy="0"/>
+        </a:xfrm>
+      </p:grpSpPr>
+      <p:sp>
+        <p:nvSpPr>
+          <p:cNvPr id="2" name="Slide Image Placeholder 1"/>
+          <p:cNvSpPr>
+            <a:spLocks noGrp="1" noRot="1" noChangeAspect="1"/>
+          </p:cNvSpPr>
+          <p:nvPr>
+            <p:ph type="sldImg"/>
+          </p:nvPr>
+        </p:nvSpPr>
+        <p:spPr/>
+      </p:sp>
+      <p:sp>
+        <p:nvSpPr>
+          <p:cNvPr id="3" name="Notes Placeholder 2"/>
+          <p:cNvSpPr>
+            <a:spLocks noGrp="1"/>
+          </p:cNvSpPr>
+          <p:nvPr>
+            <p:ph type="body" idx="1"/>
+          </p:nvPr>
+        </p:nvSpPr>
+        <p:spPr/>
+        <p:txBody>
+          <a:bodyPr/>
+          <a:lstStyle/>
+          <a:p>
+            <a:r>
+              <a:rPr lang="en-US" baseline="0" dirty="0" smtClean="0"/>
+              <a:t>by theory, you never write native </a:t>
+            </a:r>
+            <a:r>
+              <a:rPr lang="en-US" baseline="0" dirty="0" err="1" smtClean="0"/>
+              <a:t>javascripts</a:t>
+            </a:r>
+            <a:r>
+              <a:rPr lang="en-US" baseline="0" dirty="0" smtClean="0"/>
+              <a:t> anymore, you just write </a:t>
+            </a:r>
+            <a:r>
+              <a:rPr lang="en-US" baseline="0" dirty="0" err="1" smtClean="0"/>
+              <a:t>ts</a:t>
+            </a:r>
+            <a:r>
+              <a:rPr lang="en-US" baseline="0" dirty="0" smtClean="0"/>
+              <a:t>. </a:t>
+            </a:r>
+            <a:r>
+              <a:rPr lang="en-US" dirty="0" smtClean="0"/>
+              <a:t>Because</a:t>
+            </a:r>
+            <a:r>
+              <a:rPr lang="en-US" baseline="0" dirty="0" smtClean="0"/>
+              <a:t> </a:t>
+            </a:r>
+            <a:r>
+              <a:rPr lang="en-US" baseline="0" dirty="0" err="1" smtClean="0"/>
+              <a:t>ts</a:t>
+            </a:r>
+            <a:r>
+              <a:rPr lang="en-US" baseline="0" dirty="0" smtClean="0"/>
+              <a:t> has so many benefits (such as type safety, module, object oriented, so it is really good for large scale application development,, and it is complied to </a:t>
+            </a:r>
+            <a:r>
+              <a:rPr lang="en-US" baseline="0" dirty="0" err="1" smtClean="0"/>
+              <a:t>javascript</a:t>
+            </a:r>
+            <a:r>
+              <a:rPr lang="en-US" baseline="0" dirty="0" smtClean="0"/>
+              <a:t>. For example, the heritage, and select committee we developed before, they were really complex projects, angular code was written with </a:t>
+            </a:r>
+            <a:r>
+              <a:rPr lang="en-US" baseline="0" dirty="0" err="1" smtClean="0"/>
+              <a:t>javascript</a:t>
+            </a:r>
+            <a:r>
+              <a:rPr lang="en-US" baseline="0" dirty="0" smtClean="0"/>
+              <a:t>, a lots redundant variables and functions, and it is really hard to maintain by other developers, even myself, sometimes hard to follow my own code, which was written few days ago.</a:t>
+            </a:r>
+          </a:p>
+          <a:p>
+            <a:endParaRPr lang="en-US" baseline="0" dirty="0" smtClean="0"/>
+          </a:p>
+          <a:p>
+            <a:endParaRPr lang="en-US" dirty="0"/>
+          </a:p>
+        </p:txBody>
+      </p:sp>
+      <p:sp>
+        <p:nvSpPr>
+          <p:cNvPr id="4" name="Slide Number Placeholder 3"/>
+          <p:cNvSpPr>
+            <a:spLocks noGrp="1"/>
+          </p:cNvSpPr>
+          <p:nvPr>
+            <p:ph type="sldNum" sz="quarter" idx="10"/>
+          </p:nvPr>
+        </p:nvSpPr>
+        <p:spPr/>
+        <p:txBody>
+          <a:bodyPr/>
+          <a:lstStyle/>
+          <a:p>
+            <a:fld id="{414A9C24-F0E8-4D37-BCBE-75261BA7258A}" type="slidenum">
+              <a:rPr lang="en-US" smtClean="0"/>
+              <a:t>6</a:t>
+            </a:fld>
+            <a:endParaRPr lang="en-US"/>
+          </a:p>
+        </p:txBody>
+      </p:sp>
+    </p:spTree>
+    <p:extLst>
+      <p:ext uri="{BB962C8B-B14F-4D97-AF65-F5344CB8AC3E}">
+        <p14:creationId xmlns:p14="http://schemas.microsoft.com/office/powerpoint/2010/main" val="764798588"/>
+      </p:ext>
+    </p:extLst>
+  </p:cSld>
+  <p:clrMapOvr>
+    <a:masterClrMapping/>
+  </p:clrMapOvr>
+</p:notes>
+</file>
+
 <file path=ppt/slideLayouts/slideLayout1.xml><?xml version="1.0" encoding="utf-8"?>
 <p:sldLayout xmlns:a="http://schemas.openxmlformats.org/drawingml/2006/main" xmlns:r="http://schemas.openxmlformats.org/officeDocument/2006/relationships" xmlns:p="http://schemas.openxmlformats.org/presentationml/2006/main" type="title" preserve="1">
   <p:cSld name="Title Slide">
@@ -1078,7 +1219,7 @@
             <a:fld id="{B61BEF0D-F0BB-DE4B-95CE-6DB70DBA9567}" type="datetimeFigureOut">
               <a:rPr lang="en-US" dirty="0"/>
               <a:pPr/>
-              <a:t>2/20/2016</a:t>
+              <a:t>2/24/2016</a:t>
             </a:fld>
             <a:endParaRPr lang="en-US" dirty="0"/>
           </a:p>
@@ -1413,7 +1554,7 @@
             <a:fld id="{B61BEF0D-F0BB-DE4B-95CE-6DB70DBA9567}" type="datetimeFigureOut">
               <a:rPr lang="en-US" dirty="0"/>
               <a:pPr/>
-              <a:t>2/20/2016</a:t>
+              <a:t>2/24/2016</a:t>
             </a:fld>
             <a:endParaRPr lang="en-US" dirty="0"/>
           </a:p>
@@ -1811,7 +1952,7 @@
             <a:fld id="{B61BEF0D-F0BB-DE4B-95CE-6DB70DBA9567}" type="datetimeFigureOut">
               <a:rPr lang="en-US" dirty="0"/>
               <a:pPr/>
-              <a:t>2/20/2016</a:t>
+              <a:t>2/24/2016</a:t>
             </a:fld>
             <a:endParaRPr lang="en-US" dirty="0"/>
           </a:p>
@@ -2143,7 +2284,7 @@
             <a:fld id="{B61BEF0D-F0BB-DE4B-95CE-6DB70DBA9567}" type="datetimeFigureOut">
               <a:rPr lang="en-US" dirty="0"/>
               <a:pPr/>
-              <a:t>2/20/2016</a:t>
+              <a:t>2/24/2016</a:t>
             </a:fld>
             <a:endParaRPr lang="en-US" dirty="0"/>
           </a:p>
@@ -2460,7 +2601,7 @@
             <a:fld id="{B61BEF0D-F0BB-DE4B-95CE-6DB70DBA9567}" type="datetimeFigureOut">
               <a:rPr lang="en-US" dirty="0"/>
               <a:pPr/>
-              <a:t>2/20/2016</a:t>
+              <a:t>2/24/2016</a:t>
             </a:fld>
             <a:endParaRPr lang="en-US" dirty="0"/>
           </a:p>
@@ -2853,7 +2994,7 @@
             <a:fld id="{B61BEF0D-F0BB-DE4B-95CE-6DB70DBA9567}" type="datetimeFigureOut">
               <a:rPr lang="en-US" dirty="0"/>
               <a:pPr/>
-              <a:t>2/20/2016</a:t>
+              <a:t>2/24/2016</a:t>
             </a:fld>
             <a:endParaRPr lang="en-US" dirty="0"/>
           </a:p>
@@ -3107,7 +3248,7 @@
             <a:fld id="{B61BEF0D-F0BB-DE4B-95CE-6DB70DBA9567}" type="datetimeFigureOut">
               <a:rPr lang="en-US" dirty="0"/>
               <a:pPr/>
-              <a:t>2/20/2016</a:t>
+              <a:t>2/24/2016</a:t>
             </a:fld>
             <a:endParaRPr lang="en-US" dirty="0"/>
           </a:p>
@@ -3366,7 +3507,7 @@
             <a:fld id="{B61BEF0D-F0BB-DE4B-95CE-6DB70DBA9567}" type="datetimeFigureOut">
               <a:rPr lang="en-US" dirty="0"/>
               <a:pPr/>
-              <a:t>2/20/2016</a:t>
+              <a:t>2/24/2016</a:t>
             </a:fld>
             <a:endParaRPr lang="en-US" dirty="0"/>
           </a:p>
@@ -3625,7 +3766,7 @@
             <a:fld id="{B61BEF0D-F0BB-DE4B-95CE-6DB70DBA9567}" type="datetimeFigureOut">
               <a:rPr lang="en-US" dirty="0"/>
               <a:pPr/>
-              <a:t>2/20/2016</a:t>
+              <a:t>2/24/2016</a:t>
             </a:fld>
             <a:endParaRPr lang="en-US" dirty="0"/>
           </a:p>
@@ -3951,7 +4092,7 @@
             <a:fld id="{B61BEF0D-F0BB-DE4B-95CE-6DB70DBA9567}" type="datetimeFigureOut">
               <a:rPr lang="en-US" dirty="0"/>
               <a:pPr/>
-              <a:t>2/20/2016</a:t>
+              <a:t>2/24/2016</a:t>
             </a:fld>
             <a:endParaRPr lang="en-US" dirty="0"/>
           </a:p>
@@ -4271,7 +4412,7 @@
             <a:fld id="{B61BEF0D-F0BB-DE4B-95CE-6DB70DBA9567}" type="datetimeFigureOut">
               <a:rPr lang="en-US" dirty="0"/>
               <a:pPr/>
-              <a:t>2/20/2016</a:t>
+              <a:t>2/24/2016</a:t>
             </a:fld>
             <a:endParaRPr lang="en-US" dirty="0"/>
           </a:p>
@@ -4725,7 +4866,7 @@
             <a:fld id="{B61BEF0D-F0BB-DE4B-95CE-6DB70DBA9567}" type="datetimeFigureOut">
               <a:rPr lang="en-US" dirty="0"/>
               <a:pPr/>
-              <a:t>2/20/2016</a:t>
+              <a:t>2/24/2016</a:t>
             </a:fld>
             <a:endParaRPr lang="en-US" dirty="0"/>
           </a:p>
@@ -4927,7 +5068,7 @@
             <a:fld id="{B61BEF0D-F0BB-DE4B-95CE-6DB70DBA9567}" type="datetimeFigureOut">
               <a:rPr lang="en-US" dirty="0"/>
               <a:pPr/>
-              <a:t>2/20/2016</a:t>
+              <a:t>2/24/2016</a:t>
             </a:fld>
             <a:endParaRPr lang="en-US" dirty="0"/>
           </a:p>
@@ -5101,7 +5242,7 @@
             <a:fld id="{B61BEF0D-F0BB-DE4B-95CE-6DB70DBA9567}" type="datetimeFigureOut">
               <a:rPr lang="en-US" dirty="0"/>
               <a:pPr/>
-              <a:t>2/20/2016</a:t>
+              <a:t>2/24/2016</a:t>
             </a:fld>
             <a:endParaRPr lang="en-US" dirty="0"/>
           </a:p>
@@ -5431,7 +5572,7 @@
             <a:fld id="{B61BEF0D-F0BB-DE4B-95CE-6DB70DBA9567}" type="datetimeFigureOut">
               <a:rPr lang="en-US" dirty="0"/>
               <a:pPr/>
-              <a:t>2/20/2016</a:t>
+              <a:t>2/24/2016</a:t>
             </a:fld>
             <a:endParaRPr lang="en-US" dirty="0"/>
           </a:p>
@@ -5773,7 +5914,7 @@
             <a:fld id="{B61BEF0D-F0BB-DE4B-95CE-6DB70DBA9567}" type="datetimeFigureOut">
               <a:rPr lang="en-US" dirty="0"/>
               <a:pPr/>
-              <a:t>2/20/2016</a:t>
+              <a:t>2/24/2016</a:t>
             </a:fld>
             <a:endParaRPr lang="en-US" dirty="0"/>
           </a:p>
@@ -7887,7 +8028,7 @@
             <a:fld id="{B61BEF0D-F0BB-DE4B-95CE-6DB70DBA9567}" type="datetimeFigureOut">
               <a:rPr lang="en-US" dirty="0"/>
               <a:pPr/>
-              <a:t>2/20/2016</a:t>
+              <a:t>2/24/2016</a:t>
             </a:fld>
             <a:endParaRPr lang="en-US" dirty="0"/>
           </a:p>
@@ -8900,7 +9041,6 @@
               <a:rPr lang="en-NZ" dirty="0" smtClean="0"/>
               <a:t>Classes (parent, child, abstract)</a:t>
             </a:r>
-            <a:endParaRPr lang="en-NZ" dirty="0" smtClean="0"/>
           </a:p>
           <a:p>
             <a:r>
@@ -9068,10 +9208,9 @@
               <a:t>vue</a:t>
             </a:r>
             <a:r>
-              <a:rPr lang="en-US" smtClean="0"/>
+              <a:rPr lang="en-US" dirty="0" smtClean="0"/>
               <a:t>, backbones)</a:t>
             </a:r>
-            <a:endParaRPr lang="en-US" dirty="0" smtClean="0"/>
           </a:p>
         </p:txBody>
       </p:sp>

--- a/TypeScript.pptx
+++ b/TypeScript.pptx
@@ -12,8 +12,8 @@
     <p:sldId id="257" r:id="rId3"/>
     <p:sldId id="258" r:id="rId4"/>
     <p:sldId id="260" r:id="rId5"/>
-    <p:sldId id="261" r:id="rId6"/>
-    <p:sldId id="259" r:id="rId7"/>
+    <p:sldId id="259" r:id="rId6"/>
+    <p:sldId id="261" r:id="rId7"/>
   </p:sldIdLst>
   <p:sldSz cx="12192000" cy="6858000"/>
   <p:notesSz cx="6858000" cy="9144000"/>
@@ -214,7 +214,7 @@
           <a:p>
             <a:fld id="{30CB97A1-5740-48C4-BBB8-C5D8F94E005F}" type="datetimeFigureOut">
               <a:rPr lang="en-US" smtClean="0"/>
-              <a:t>2/24/2016</a:t>
+              <a:t>2/25/2016</a:t>
             </a:fld>
             <a:endParaRPr lang="en-US"/>
           </a:p>
@@ -526,329 +526,6 @@
           <a:bodyPr/>
           <a:lstStyle/>
           <a:p>
-            <a:r>
-              <a:rPr lang="en-US" sz="1200" b="1" i="0" kern="1200" dirty="0" smtClean="0">
-                <a:solidFill>
-                  <a:schemeClr val="tx1"/>
-                </a:solidFill>
-                <a:effectLst/>
-                <a:latin typeface="+mn-lt"/>
-                <a:ea typeface="+mn-ea"/>
-                <a:cs typeface="+mn-cs"/>
-              </a:rPr>
-              <a:t>Classes</a:t>
-            </a:r>
-            <a:r>
-              <a:rPr lang="en-US" sz="1200" b="0" i="0" kern="1200" dirty="0" smtClean="0">
-                <a:solidFill>
-                  <a:schemeClr val="tx1"/>
-                </a:solidFill>
-                <a:effectLst/>
-                <a:latin typeface="+mn-lt"/>
-                <a:ea typeface="+mn-ea"/>
-                <a:cs typeface="+mn-cs"/>
-              </a:rPr>
-              <a:t>: </a:t>
-            </a:r>
-            <a:r>
-              <a:rPr lang="en-US" sz="1200" b="0" i="0" kern="1200" dirty="0" err="1" smtClean="0">
-                <a:solidFill>
-                  <a:schemeClr val="tx1"/>
-                </a:solidFill>
-                <a:effectLst/>
-                <a:latin typeface="+mn-lt"/>
-                <a:ea typeface="+mn-ea"/>
-                <a:cs typeface="+mn-cs"/>
-              </a:rPr>
-              <a:t>TypeScript</a:t>
-            </a:r>
-            <a:r>
-              <a:rPr lang="en-US" sz="1200" b="0" i="0" kern="1200" dirty="0" smtClean="0">
-                <a:solidFill>
-                  <a:schemeClr val="tx1"/>
-                </a:solidFill>
-                <a:effectLst/>
-                <a:latin typeface="+mn-lt"/>
-                <a:ea typeface="+mn-ea"/>
-                <a:cs typeface="+mn-cs"/>
-              </a:rPr>
-              <a:t> introduces the notion of class-based object-oriented programming. This makes it fairly simple to structure code into classes, create class hierarchies, and manage the scope and visibility of methods and data throughout the system.</a:t>
-            </a:r>
-          </a:p>
-          <a:p>
-            <a:endParaRPr lang="en-NZ" sz="1200" b="0" i="0" kern="1200" dirty="0" smtClean="0">
-              <a:solidFill>
-                <a:schemeClr val="tx1"/>
-              </a:solidFill>
-              <a:effectLst/>
-              <a:latin typeface="+mn-lt"/>
-              <a:ea typeface="+mn-ea"/>
-              <a:cs typeface="+mn-cs"/>
-            </a:endParaRPr>
-          </a:p>
-          <a:p>
-            <a:pPr marL="0" marR="0" indent="0" algn="l" defTabSz="914400" rtl="0" eaLnBrk="1" fontAlgn="auto" latinLnBrk="0" hangingPunct="1">
-              <a:lnSpc>
-                <a:spcPct val="100000"/>
-              </a:lnSpc>
-              <a:spcBef>
-                <a:spcPts val="0"/>
-              </a:spcBef>
-              <a:spcAft>
-                <a:spcPts val="0"/>
-              </a:spcAft>
-              <a:buClrTx/>
-              <a:buSzTx/>
-              <a:buFontTx/>
-              <a:buNone/>
-              <a:tabLst/>
-              <a:defRPr/>
-            </a:pPr>
-            <a:r>
-              <a:rPr lang="en-US" sz="1200" b="1" i="0" u="none" strike="noStrike" kern="1200" dirty="0" smtClean="0">
-                <a:solidFill>
-                  <a:schemeClr val="tx1"/>
-                </a:solidFill>
-                <a:effectLst/>
-                <a:latin typeface="+mn-lt"/>
-                <a:ea typeface="+mn-ea"/>
-                <a:cs typeface="+mn-cs"/>
-              </a:rPr>
-              <a:t>Modules:</a:t>
-            </a:r>
-            <a:r>
-              <a:rPr lang="en-US" sz="1200" b="1" i="0" u="none" strike="noStrike" kern="1200" baseline="0" dirty="0" smtClean="0">
-                <a:solidFill>
-                  <a:schemeClr val="tx1"/>
-                </a:solidFill>
-                <a:effectLst/>
-                <a:latin typeface="+mn-lt"/>
-                <a:ea typeface="+mn-ea"/>
-                <a:cs typeface="+mn-cs"/>
-              </a:rPr>
-              <a:t> </a:t>
-            </a:r>
-            <a:r>
-              <a:rPr lang="en-US" sz="1200" b="0" i="0" kern="1200" dirty="0" err="1" smtClean="0">
-                <a:solidFill>
-                  <a:schemeClr val="tx1"/>
-                </a:solidFill>
-                <a:effectLst/>
-                <a:latin typeface="+mn-lt"/>
-                <a:ea typeface="+mn-ea"/>
-                <a:cs typeface="+mn-cs"/>
-              </a:rPr>
-              <a:t>TypeScript’s</a:t>
-            </a:r>
-            <a:r>
-              <a:rPr lang="en-US" sz="1200" b="0" i="0" kern="1200" dirty="0" smtClean="0">
-                <a:solidFill>
-                  <a:schemeClr val="tx1"/>
-                </a:solidFill>
-                <a:effectLst/>
-                <a:latin typeface="+mn-lt"/>
-                <a:ea typeface="+mn-ea"/>
-                <a:cs typeface="+mn-cs"/>
-              </a:rPr>
-              <a:t> modules are similar to namespaces in C#, allow defining variables, functions, classes off of the global scope. </a:t>
-            </a:r>
-            <a:r>
-              <a:rPr lang="en-US" sz="1200" b="0" i="0" kern="1200" dirty="0" err="1" smtClean="0">
-                <a:solidFill>
-                  <a:schemeClr val="tx1"/>
-                </a:solidFill>
-                <a:effectLst/>
-                <a:latin typeface="+mn-lt"/>
-                <a:ea typeface="+mn-ea"/>
-                <a:cs typeface="+mn-cs"/>
-              </a:rPr>
-              <a:t>TypeScript</a:t>
-            </a:r>
-            <a:r>
-              <a:rPr lang="en-US" sz="1200" b="0" i="0" kern="1200" dirty="0" smtClean="0">
-                <a:solidFill>
-                  <a:schemeClr val="tx1"/>
-                </a:solidFill>
-                <a:effectLst/>
-                <a:latin typeface="+mn-lt"/>
-                <a:ea typeface="+mn-ea"/>
-                <a:cs typeface="+mn-cs"/>
-              </a:rPr>
-              <a:t> also uses modules to declare the API that third-party libraries expose. It’s done through so called “ambient internal or external modules,” which contain only declarations and interfaces, but no implementation. This way it’s possible to provide the same level of IDE / type checker support for code that is available in pure JavaScript as if it was written in </a:t>
-            </a:r>
-            <a:r>
-              <a:rPr lang="en-US" sz="1200" b="0" i="0" kern="1200" dirty="0" err="1" smtClean="0">
-                <a:solidFill>
-                  <a:schemeClr val="tx1"/>
-                </a:solidFill>
-                <a:effectLst/>
-                <a:latin typeface="+mn-lt"/>
-                <a:ea typeface="+mn-ea"/>
-                <a:cs typeface="+mn-cs"/>
-              </a:rPr>
-              <a:t>TypeScript</a:t>
-            </a:r>
-            <a:r>
-              <a:rPr lang="en-US" sz="1200" b="0" i="0" kern="1200" dirty="0" smtClean="0">
-                <a:solidFill>
-                  <a:schemeClr val="tx1"/>
-                </a:solidFill>
-                <a:effectLst/>
-                <a:latin typeface="+mn-lt"/>
-                <a:ea typeface="+mn-ea"/>
-                <a:cs typeface="+mn-cs"/>
-              </a:rPr>
-              <a:t>. Such ambient declarations are stored in “.</a:t>
-            </a:r>
-            <a:r>
-              <a:rPr lang="en-US" sz="1200" b="0" i="0" kern="1200" dirty="0" err="1" smtClean="0">
-                <a:solidFill>
-                  <a:schemeClr val="tx1"/>
-                </a:solidFill>
-                <a:effectLst/>
-                <a:latin typeface="+mn-lt"/>
-                <a:ea typeface="+mn-ea"/>
-                <a:cs typeface="+mn-cs"/>
-              </a:rPr>
-              <a:t>d.ts</a:t>
-            </a:r>
-            <a:r>
-              <a:rPr lang="en-US" sz="1200" b="0" i="0" kern="1200" dirty="0" smtClean="0">
-                <a:solidFill>
-                  <a:schemeClr val="tx1"/>
-                </a:solidFill>
-                <a:effectLst/>
-                <a:latin typeface="+mn-lt"/>
-                <a:ea typeface="+mn-ea"/>
-                <a:cs typeface="+mn-cs"/>
-              </a:rPr>
-              <a:t>” files.</a:t>
-            </a:r>
-          </a:p>
-          <a:p>
-            <a:pPr marL="0" marR="0" indent="0" algn="l" defTabSz="914400" rtl="0" eaLnBrk="1" fontAlgn="auto" latinLnBrk="0" hangingPunct="1">
-              <a:lnSpc>
-                <a:spcPct val="100000"/>
-              </a:lnSpc>
-              <a:spcBef>
-                <a:spcPts val="0"/>
-              </a:spcBef>
-              <a:spcAft>
-                <a:spcPts val="0"/>
-              </a:spcAft>
-              <a:buClrTx/>
-              <a:buSzTx/>
-              <a:buFontTx/>
-              <a:buNone/>
-              <a:tabLst/>
-              <a:defRPr/>
-            </a:pPr>
-            <a:endParaRPr lang="en-NZ" sz="1200" b="0" i="0" u="none" strike="noStrike" kern="1200" dirty="0" smtClean="0">
-              <a:solidFill>
-                <a:schemeClr val="tx1"/>
-              </a:solidFill>
-              <a:effectLst/>
-              <a:latin typeface="+mn-lt"/>
-              <a:ea typeface="+mn-ea"/>
-              <a:cs typeface="+mn-cs"/>
-            </a:endParaRPr>
-          </a:p>
-          <a:p>
-            <a:pPr marL="0" marR="0" indent="0" algn="l" defTabSz="914400" rtl="0" eaLnBrk="1" fontAlgn="auto" latinLnBrk="0" hangingPunct="1">
-              <a:lnSpc>
-                <a:spcPct val="100000"/>
-              </a:lnSpc>
-              <a:spcBef>
-                <a:spcPts val="0"/>
-              </a:spcBef>
-              <a:spcAft>
-                <a:spcPts val="0"/>
-              </a:spcAft>
-              <a:buClrTx/>
-              <a:buSzTx/>
-              <a:buFontTx/>
-              <a:buNone/>
-              <a:tabLst/>
-              <a:defRPr/>
-            </a:pPr>
-            <a:r>
-              <a:rPr lang="en-NZ" sz="1200" b="1" i="0" u="none" strike="noStrike" kern="1200" dirty="0" smtClean="0">
-                <a:solidFill>
-                  <a:schemeClr val="tx1"/>
-                </a:solidFill>
-                <a:effectLst/>
-                <a:latin typeface="+mn-lt"/>
-                <a:ea typeface="+mn-ea"/>
-                <a:cs typeface="+mn-cs"/>
-              </a:rPr>
-              <a:t>IDE: </a:t>
-            </a:r>
-            <a:r>
-              <a:rPr lang="en-US" sz="1200" b="0" i="0" kern="1200" dirty="0" smtClean="0">
-                <a:solidFill>
-                  <a:schemeClr val="tx1"/>
-                </a:solidFill>
-                <a:effectLst/>
-                <a:latin typeface="+mn-lt"/>
-                <a:ea typeface="+mn-ea"/>
-                <a:cs typeface="+mn-cs"/>
-              </a:rPr>
-              <a:t>Typos caught at compilation time, </a:t>
-            </a:r>
-            <a:r>
-              <a:rPr lang="en-US" sz="1200" b="0" i="0" kern="1200" dirty="0" err="1" smtClean="0">
-                <a:solidFill>
-                  <a:schemeClr val="tx1"/>
-                </a:solidFill>
-                <a:effectLst/>
-                <a:latin typeface="+mn-lt"/>
-                <a:ea typeface="+mn-ea"/>
-                <a:cs typeface="+mn-cs"/>
-              </a:rPr>
-              <a:t>intellisense</a:t>
-            </a:r>
-            <a:r>
-              <a:rPr lang="en-US" sz="1200" b="0" i="0" kern="1200" dirty="0" smtClean="0">
-                <a:solidFill>
-                  <a:schemeClr val="tx1"/>
-                </a:solidFill>
-                <a:effectLst/>
-                <a:latin typeface="+mn-lt"/>
-                <a:ea typeface="+mn-ea"/>
-                <a:cs typeface="+mn-cs"/>
-              </a:rPr>
-              <a:t>, and code navigation.</a:t>
-            </a:r>
-          </a:p>
-          <a:p>
-            <a:pPr marL="0" marR="0" indent="0" algn="l" defTabSz="914400" rtl="0" eaLnBrk="1" fontAlgn="auto" latinLnBrk="0" hangingPunct="1">
-              <a:lnSpc>
-                <a:spcPct val="100000"/>
-              </a:lnSpc>
-              <a:spcBef>
-                <a:spcPts val="0"/>
-              </a:spcBef>
-              <a:spcAft>
-                <a:spcPts val="0"/>
-              </a:spcAft>
-              <a:buClrTx/>
-              <a:buSzTx/>
-              <a:buFontTx/>
-              <a:buNone/>
-              <a:tabLst/>
-              <a:defRPr/>
-            </a:pPr>
-            <a:endParaRPr lang="en-US" sz="1200" b="1" i="0" u="none" strike="noStrike" kern="1200" dirty="0" smtClean="0">
-              <a:solidFill>
-                <a:schemeClr val="tx1"/>
-              </a:solidFill>
-              <a:effectLst/>
-              <a:latin typeface="+mn-lt"/>
-              <a:ea typeface="+mn-ea"/>
-              <a:cs typeface="+mn-cs"/>
-            </a:endParaRPr>
-          </a:p>
-          <a:p>
             <a:endParaRPr lang="en-US" dirty="0"/>
           </a:p>
         </p:txBody>
@@ -870,7 +547,7 @@
           <a:p>
             <a:fld id="{414A9C24-F0E8-4D37-BCBE-75261BA7258A}" type="slidenum">
               <a:rPr lang="en-US" smtClean="0"/>
-              <a:t>5</a:t>
+              <a:t>3</a:t>
             </a:fld>
             <a:endParaRPr lang="en-US"/>
           </a:p>
@@ -879,7 +556,7 @@
     </p:spTree>
     <p:extLst>
       <p:ext uri="{BB962C8B-B14F-4D97-AF65-F5344CB8AC3E}">
-        <p14:creationId xmlns:p14="http://schemas.microsoft.com/office/powerpoint/2010/main" val="565535317"/>
+        <p14:creationId xmlns:p14="http://schemas.microsoft.com/office/powerpoint/2010/main" val="1960494484"/>
       </p:ext>
     </p:extLst>
   </p:cSld>
@@ -1011,7 +688,7 @@
           <a:p>
             <a:fld id="{414A9C24-F0E8-4D37-BCBE-75261BA7258A}" type="slidenum">
               <a:rPr lang="en-US" smtClean="0"/>
-              <a:t>6</a:t>
+              <a:t>5</a:t>
             </a:fld>
             <a:endParaRPr lang="en-US"/>
           </a:p>
@@ -1219,7 +896,7 @@
             <a:fld id="{B61BEF0D-F0BB-DE4B-95CE-6DB70DBA9567}" type="datetimeFigureOut">
               <a:rPr lang="en-US" dirty="0"/>
               <a:pPr/>
-              <a:t>2/24/2016</a:t>
+              <a:t>2/25/2016</a:t>
             </a:fld>
             <a:endParaRPr lang="en-US" dirty="0"/>
           </a:p>
@@ -1554,7 +1231,7 @@
             <a:fld id="{B61BEF0D-F0BB-DE4B-95CE-6DB70DBA9567}" type="datetimeFigureOut">
               <a:rPr lang="en-US" dirty="0"/>
               <a:pPr/>
-              <a:t>2/24/2016</a:t>
+              <a:t>2/25/2016</a:t>
             </a:fld>
             <a:endParaRPr lang="en-US" dirty="0"/>
           </a:p>
@@ -1952,7 +1629,7 @@
             <a:fld id="{B61BEF0D-F0BB-DE4B-95CE-6DB70DBA9567}" type="datetimeFigureOut">
               <a:rPr lang="en-US" dirty="0"/>
               <a:pPr/>
-              <a:t>2/24/2016</a:t>
+              <a:t>2/25/2016</a:t>
             </a:fld>
             <a:endParaRPr lang="en-US" dirty="0"/>
           </a:p>
@@ -2284,7 +1961,7 @@
             <a:fld id="{B61BEF0D-F0BB-DE4B-95CE-6DB70DBA9567}" type="datetimeFigureOut">
               <a:rPr lang="en-US" dirty="0"/>
               <a:pPr/>
-              <a:t>2/24/2016</a:t>
+              <a:t>2/25/2016</a:t>
             </a:fld>
             <a:endParaRPr lang="en-US" dirty="0"/>
           </a:p>
@@ -2601,7 +2278,7 @@
             <a:fld id="{B61BEF0D-F0BB-DE4B-95CE-6DB70DBA9567}" type="datetimeFigureOut">
               <a:rPr lang="en-US" dirty="0"/>
               <a:pPr/>
-              <a:t>2/24/2016</a:t>
+              <a:t>2/25/2016</a:t>
             </a:fld>
             <a:endParaRPr lang="en-US" dirty="0"/>
           </a:p>
@@ -2994,7 +2671,7 @@
             <a:fld id="{B61BEF0D-F0BB-DE4B-95CE-6DB70DBA9567}" type="datetimeFigureOut">
               <a:rPr lang="en-US" dirty="0"/>
               <a:pPr/>
-              <a:t>2/24/2016</a:t>
+              <a:t>2/25/2016</a:t>
             </a:fld>
             <a:endParaRPr lang="en-US" dirty="0"/>
           </a:p>
@@ -3248,7 +2925,7 @@
             <a:fld id="{B61BEF0D-F0BB-DE4B-95CE-6DB70DBA9567}" type="datetimeFigureOut">
               <a:rPr lang="en-US" dirty="0"/>
               <a:pPr/>
-              <a:t>2/24/2016</a:t>
+              <a:t>2/25/2016</a:t>
             </a:fld>
             <a:endParaRPr lang="en-US" dirty="0"/>
           </a:p>
@@ -3507,7 +3184,7 @@
             <a:fld id="{B61BEF0D-F0BB-DE4B-95CE-6DB70DBA9567}" type="datetimeFigureOut">
               <a:rPr lang="en-US" dirty="0"/>
               <a:pPr/>
-              <a:t>2/24/2016</a:t>
+              <a:t>2/25/2016</a:t>
             </a:fld>
             <a:endParaRPr lang="en-US" dirty="0"/>
           </a:p>
@@ -3766,7 +3443,7 @@
             <a:fld id="{B61BEF0D-F0BB-DE4B-95CE-6DB70DBA9567}" type="datetimeFigureOut">
               <a:rPr lang="en-US" dirty="0"/>
               <a:pPr/>
-              <a:t>2/24/2016</a:t>
+              <a:t>2/25/2016</a:t>
             </a:fld>
             <a:endParaRPr lang="en-US" dirty="0"/>
           </a:p>
@@ -4092,7 +3769,7 @@
             <a:fld id="{B61BEF0D-F0BB-DE4B-95CE-6DB70DBA9567}" type="datetimeFigureOut">
               <a:rPr lang="en-US" dirty="0"/>
               <a:pPr/>
-              <a:t>2/24/2016</a:t>
+              <a:t>2/25/2016</a:t>
             </a:fld>
             <a:endParaRPr lang="en-US" dirty="0"/>
           </a:p>
@@ -4412,7 +4089,7 @@
             <a:fld id="{B61BEF0D-F0BB-DE4B-95CE-6DB70DBA9567}" type="datetimeFigureOut">
               <a:rPr lang="en-US" dirty="0"/>
               <a:pPr/>
-              <a:t>2/24/2016</a:t>
+              <a:t>2/25/2016</a:t>
             </a:fld>
             <a:endParaRPr lang="en-US" dirty="0"/>
           </a:p>
@@ -4866,7 +4543,7 @@
             <a:fld id="{B61BEF0D-F0BB-DE4B-95CE-6DB70DBA9567}" type="datetimeFigureOut">
               <a:rPr lang="en-US" dirty="0"/>
               <a:pPr/>
-              <a:t>2/24/2016</a:t>
+              <a:t>2/25/2016</a:t>
             </a:fld>
             <a:endParaRPr lang="en-US" dirty="0"/>
           </a:p>
@@ -5068,7 +4745,7 @@
             <a:fld id="{B61BEF0D-F0BB-DE4B-95CE-6DB70DBA9567}" type="datetimeFigureOut">
               <a:rPr lang="en-US" dirty="0"/>
               <a:pPr/>
-              <a:t>2/24/2016</a:t>
+              <a:t>2/25/2016</a:t>
             </a:fld>
             <a:endParaRPr lang="en-US" dirty="0"/>
           </a:p>
@@ -5242,7 +4919,7 @@
             <a:fld id="{B61BEF0D-F0BB-DE4B-95CE-6DB70DBA9567}" type="datetimeFigureOut">
               <a:rPr lang="en-US" dirty="0"/>
               <a:pPr/>
-              <a:t>2/24/2016</a:t>
+              <a:t>2/25/2016</a:t>
             </a:fld>
             <a:endParaRPr lang="en-US" dirty="0"/>
           </a:p>
@@ -5572,7 +5249,7 @@
             <a:fld id="{B61BEF0D-F0BB-DE4B-95CE-6DB70DBA9567}" type="datetimeFigureOut">
               <a:rPr lang="en-US" dirty="0"/>
               <a:pPr/>
-              <a:t>2/24/2016</a:t>
+              <a:t>2/25/2016</a:t>
             </a:fld>
             <a:endParaRPr lang="en-US" dirty="0"/>
           </a:p>
@@ -5914,7 +5591,7 @@
             <a:fld id="{B61BEF0D-F0BB-DE4B-95CE-6DB70DBA9567}" type="datetimeFigureOut">
               <a:rPr lang="en-US" dirty="0"/>
               <a:pPr/>
-              <a:t>2/24/2016</a:t>
+              <a:t>2/25/2016</a:t>
             </a:fld>
             <a:endParaRPr lang="en-US" dirty="0"/>
           </a:p>
@@ -8028,7 +7705,7 @@
             <a:fld id="{B61BEF0D-F0BB-DE4B-95CE-6DB70DBA9567}" type="datetimeFigureOut">
               <a:rPr lang="en-US" dirty="0"/>
               <a:pPr/>
-              <a:t>2/24/2016</a:t>
+              <a:t>2/25/2016</a:t>
             </a:fld>
             <a:endParaRPr lang="en-US" dirty="0"/>
           </a:p>
@@ -8597,6 +8274,13 @@
   <p:clrMapOvr>
     <a:masterClrMapping/>
   </p:clrMapOvr>
+  <p:timing>
+    <p:tnLst>
+      <p:par>
+        <p:cTn id="1" dur="indefinite" restart="never" nodeType="tmRoot"/>
+      </p:par>
+    </p:tnLst>
+  </p:timing>
 </p:sld>
 </file>
 
@@ -8685,6 +8369,13 @@
   <p:clrMapOvr>
     <a:masterClrMapping/>
   </p:clrMapOvr>
+  <p:timing>
+    <p:tnLst>
+      <p:par>
+        <p:cTn id="1" dur="indefinite" restart="never" nodeType="tmRoot"/>
+      </p:par>
+    </p:tnLst>
+  </p:timing>
 </p:sld>
 </file>
 
@@ -8876,6 +8567,13 @@
   <p:clrMapOvr>
     <a:masterClrMapping/>
   </p:clrMapOvr>
+  <p:timing>
+    <p:tnLst>
+      <p:par>
+        <p:cTn id="1" dur="indefinite" restart="never" nodeType="tmRoot"/>
+      </p:par>
+    </p:tnLst>
+  </p:timing>
 </p:sld>
 </file>
 
@@ -8979,6 +8677,13 @@
   <p:clrMapOvr>
     <a:masterClrMapping/>
   </p:clrMapOvr>
+  <p:timing>
+    <p:tnLst>
+      <p:par>
+        <p:cTn id="1" dur="indefinite" restart="never" nodeType="tmRoot"/>
+      </p:par>
+    </p:tnLst>
+  </p:timing>
 </p:sld>
 </file>
 
@@ -9015,7 +8720,7 @@
           <a:lstStyle/>
           <a:p>
             <a:r>
-              <a:rPr lang="en-NZ" dirty="0" smtClean="0"/>
+              <a:rPr lang="en-NZ" dirty="0"/>
               <a:t>Why do we need typescript</a:t>
             </a:r>
             <a:endParaRPr lang="en-US" dirty="0"/>
@@ -9038,51 +8743,113 @@
           <a:lstStyle/>
           <a:p>
             <a:r>
-              <a:rPr lang="en-NZ" dirty="0" smtClean="0"/>
-              <a:t>Classes (parent, child, abstract)</a:t>
-            </a:r>
+              <a:rPr lang="en-US" dirty="0"/>
+              <a:t>Rich IDE support with autocomplete and code navigation features</a:t>
+            </a:r>
+          </a:p>
+          <a:p>
+            <a:r>
+              <a:rPr lang="en-US" dirty="0"/>
+              <a:t>Safe automatic </a:t>
+            </a:r>
+            <a:r>
+              <a:rPr lang="en-US" dirty="0" err="1" smtClean="0"/>
+              <a:t>refactorings</a:t>
+            </a:r>
+            <a:endParaRPr lang="en-US" dirty="0" smtClean="0"/>
           </a:p>
           <a:p>
             <a:r>
               <a:rPr lang="en-US" dirty="0" smtClean="0"/>
-              <a:t>Modules</a:t>
-            </a:r>
-          </a:p>
-          <a:p>
+              <a:t>Typo discovered when it is compiled</a:t>
+            </a:r>
+          </a:p>
+          <a:p>
+            <a:r>
+              <a:rPr lang="en-US" dirty="0"/>
+              <a:t>Class-based OO, with inheritance, private </a:t>
+            </a:r>
             <a:r>
               <a:rPr lang="en-US" dirty="0" smtClean="0"/>
-              <a:t>Interfaces</a:t>
-            </a:r>
-          </a:p>
-          <a:p>
-            <a:r>
-              <a:rPr lang="en-US" smtClean="0"/>
-              <a:t>Generics</a:t>
+              <a:t>members, interfaces and </a:t>
+            </a:r>
+            <a:r>
+              <a:rPr lang="en-US" dirty="0"/>
+              <a:t>Generics </a:t>
             </a:r>
             <a:endParaRPr lang="en-US" dirty="0" smtClean="0"/>
           </a:p>
           <a:p>
             <a:r>
-              <a:rPr lang="en-NZ" dirty="0" smtClean="0"/>
-              <a:t>Rich IDE support</a:t>
-            </a:r>
-            <a:endParaRPr lang="en-US" dirty="0"/>
-          </a:p>
-          <a:p>
-            <a:endParaRPr lang="en-US" dirty="0"/>
+              <a:rPr lang="en-US" dirty="0" smtClean="0"/>
+              <a:t>Module support (namespace in c#)</a:t>
+            </a:r>
+            <a:endParaRPr lang="en-US" dirty="0" smtClean="0"/>
+          </a:p>
+          <a:p>
+            <a:r>
+              <a:rPr lang="en-US" dirty="0" smtClean="0"/>
+              <a:t>Any </a:t>
+            </a:r>
+            <a:r>
+              <a:rPr lang="en-US" dirty="0" err="1" smtClean="0"/>
+              <a:t>javascript</a:t>
+            </a:r>
+            <a:r>
+              <a:rPr lang="en-US" dirty="0" smtClean="0"/>
+              <a:t> code is a valid </a:t>
+            </a:r>
+            <a:r>
+              <a:rPr lang="en-US" dirty="0" err="1" smtClean="0"/>
+              <a:t>TypeScript</a:t>
+            </a:r>
+            <a:r>
+              <a:rPr lang="en-US" dirty="0" smtClean="0"/>
+              <a:t> code</a:t>
+            </a:r>
+            <a:endParaRPr lang="en-US" dirty="0" smtClean="0"/>
+          </a:p>
+          <a:p>
+            <a:r>
+              <a:rPr lang="en-US" dirty="0" smtClean="0"/>
+              <a:t>Work with </a:t>
+            </a:r>
+            <a:r>
+              <a:rPr lang="en-US" dirty="0" err="1" smtClean="0"/>
+              <a:t>javascript</a:t>
+            </a:r>
+            <a:r>
+              <a:rPr lang="en-US" dirty="0" smtClean="0"/>
+              <a:t> libraries. (angular, typescript, react, </a:t>
+            </a:r>
+            <a:r>
+              <a:rPr lang="en-US" dirty="0" err="1" smtClean="0"/>
+              <a:t>vue</a:t>
+            </a:r>
+            <a:r>
+              <a:rPr lang="en-US" dirty="0" smtClean="0"/>
+              <a:t>, backbones)</a:t>
+            </a:r>
           </a:p>
         </p:txBody>
       </p:sp>
     </p:spTree>
     <p:extLst>
       <p:ext uri="{BB962C8B-B14F-4D97-AF65-F5344CB8AC3E}">
-        <p14:creationId xmlns:p14="http://schemas.microsoft.com/office/powerpoint/2010/main" val="2688621960"/>
+        <p14:creationId xmlns:p14="http://schemas.microsoft.com/office/powerpoint/2010/main" val="106960504"/>
       </p:ext>
     </p:extLst>
   </p:cSld>
   <p:clrMapOvr>
     <a:masterClrMapping/>
   </p:clrMapOvr>
+  <p:timing>
+    <p:tnLst>
+      <p:par>
+        <p:cTn id="1" dur="indefinite" restart="never" nodeType="tmRoot"/>
+      </p:par>
+    </p:tnLst>
+  </p:timing>
 </p:sld>
 </file>
 
@@ -9118,7 +8885,11 @@
           <a:bodyPr/>
           <a:lstStyle/>
           <a:p>
-            <a:endParaRPr lang="en-US"/>
+            <a:r>
+              <a:rPr lang="en-US" dirty="0" smtClean="0"/>
+              <a:t>Demo</a:t>
+            </a:r>
+            <a:endParaRPr lang="en-US" dirty="0"/>
           </a:p>
         </p:txBody>
       </p:sp>
@@ -9139,85 +8910,24 @@
           <a:p>
             <a:r>
               <a:rPr lang="en-US" dirty="0" smtClean="0"/>
-              <a:t>Typescript compiles to </a:t>
+              <a:t>How we change the way to develop traditional </a:t>
             </a:r>
             <a:r>
               <a:rPr lang="en-US" dirty="0" err="1" smtClean="0"/>
               <a:t>javascript</a:t>
             </a:r>
-            <a:endParaRPr lang="en-US" dirty="0" smtClean="0"/>
-          </a:p>
-          <a:p>
-            <a:r>
-              <a:rPr lang="en-US" dirty="0" smtClean="0"/>
-              <a:t>Debug typescript</a:t>
-            </a:r>
-          </a:p>
-          <a:p>
-            <a:r>
-              <a:rPr lang="en-US" dirty="0" smtClean="0"/>
-              <a:t>IDE support, code navigation</a:t>
-            </a:r>
-          </a:p>
-          <a:p>
-            <a:r>
-              <a:rPr lang="en-US" dirty="0" err="1" smtClean="0"/>
-              <a:t>Intellisense</a:t>
-            </a:r>
-            <a:endParaRPr lang="en-US" dirty="0" smtClean="0"/>
-          </a:p>
-          <a:p>
-            <a:r>
-              <a:rPr lang="en-US" dirty="0" smtClean="0"/>
-              <a:t>Typo discovered when it is compiled</a:t>
-            </a:r>
-          </a:p>
-          <a:p>
-            <a:r>
-              <a:rPr lang="en-US" dirty="0" smtClean="0"/>
-              <a:t>Object oriented, inheritance, interfaces.</a:t>
-            </a:r>
-          </a:p>
-          <a:p>
-            <a:r>
-              <a:rPr lang="en-US" dirty="0" smtClean="0"/>
-              <a:t>Module</a:t>
-            </a:r>
-          </a:p>
-          <a:p>
-            <a:r>
-              <a:rPr lang="en-US" dirty="0" smtClean="0"/>
-              <a:t>Generics </a:t>
-            </a:r>
-          </a:p>
-          <a:p>
-            <a:r>
-              <a:rPr lang="en-US" dirty="0" smtClean="0"/>
-              <a:t>Work with </a:t>
-            </a:r>
-            <a:r>
-              <a:rPr lang="en-US" dirty="0" err="1" smtClean="0"/>
-              <a:t>javascript</a:t>
-            </a:r>
-            <a:r>
-              <a:rPr lang="en-US" dirty="0" smtClean="0"/>
-              <a:t> libraries. (angular, typescript, react, </a:t>
-            </a:r>
-            <a:r>
-              <a:rPr lang="en-US" dirty="0" err="1" smtClean="0"/>
-              <a:t>vue</a:t>
-            </a:r>
-            <a:r>
-              <a:rPr lang="en-US" dirty="0" smtClean="0"/>
-              <a:t>, backbones)</a:t>
-            </a:r>
+            <a:r>
+              <a:rPr lang="en-US" smtClean="0"/>
+              <a:t> project</a:t>
+            </a:r>
+            <a:endParaRPr lang="en-US"/>
           </a:p>
         </p:txBody>
       </p:sp>
     </p:spTree>
     <p:extLst>
       <p:ext uri="{BB962C8B-B14F-4D97-AF65-F5344CB8AC3E}">
-        <p14:creationId xmlns:p14="http://schemas.microsoft.com/office/powerpoint/2010/main" val="106960504"/>
+        <p14:creationId xmlns:p14="http://schemas.microsoft.com/office/powerpoint/2010/main" val="1322811298"/>
       </p:ext>
     </p:extLst>
   </p:cSld>

--- a/TypeScript.pptx
+++ b/TypeScript.pptx
@@ -214,7 +214,7 @@
           <a:p>
             <a:fld id="{30CB97A1-5740-48C4-BBB8-C5D8F94E005F}" type="datetimeFigureOut">
               <a:rPr lang="en-US" smtClean="0"/>
-              <a:t>2/25/2016</a:t>
+              <a:t>2/26/2016</a:t>
             </a:fld>
             <a:endParaRPr lang="en-US"/>
           </a:p>
@@ -896,7 +896,7 @@
             <a:fld id="{B61BEF0D-F0BB-DE4B-95CE-6DB70DBA9567}" type="datetimeFigureOut">
               <a:rPr lang="en-US" dirty="0"/>
               <a:pPr/>
-              <a:t>2/25/2016</a:t>
+              <a:t>2/26/2016</a:t>
             </a:fld>
             <a:endParaRPr lang="en-US" dirty="0"/>
           </a:p>
@@ -1231,7 +1231,7 @@
             <a:fld id="{B61BEF0D-F0BB-DE4B-95CE-6DB70DBA9567}" type="datetimeFigureOut">
               <a:rPr lang="en-US" dirty="0"/>
               <a:pPr/>
-              <a:t>2/25/2016</a:t>
+              <a:t>2/26/2016</a:t>
             </a:fld>
             <a:endParaRPr lang="en-US" dirty="0"/>
           </a:p>
@@ -1629,7 +1629,7 @@
             <a:fld id="{B61BEF0D-F0BB-DE4B-95CE-6DB70DBA9567}" type="datetimeFigureOut">
               <a:rPr lang="en-US" dirty="0"/>
               <a:pPr/>
-              <a:t>2/25/2016</a:t>
+              <a:t>2/26/2016</a:t>
             </a:fld>
             <a:endParaRPr lang="en-US" dirty="0"/>
           </a:p>
@@ -1961,7 +1961,7 @@
             <a:fld id="{B61BEF0D-F0BB-DE4B-95CE-6DB70DBA9567}" type="datetimeFigureOut">
               <a:rPr lang="en-US" dirty="0"/>
               <a:pPr/>
-              <a:t>2/25/2016</a:t>
+              <a:t>2/26/2016</a:t>
             </a:fld>
             <a:endParaRPr lang="en-US" dirty="0"/>
           </a:p>
@@ -2278,7 +2278,7 @@
             <a:fld id="{B61BEF0D-F0BB-DE4B-95CE-6DB70DBA9567}" type="datetimeFigureOut">
               <a:rPr lang="en-US" dirty="0"/>
               <a:pPr/>
-              <a:t>2/25/2016</a:t>
+              <a:t>2/26/2016</a:t>
             </a:fld>
             <a:endParaRPr lang="en-US" dirty="0"/>
           </a:p>
@@ -2671,7 +2671,7 @@
             <a:fld id="{B61BEF0D-F0BB-DE4B-95CE-6DB70DBA9567}" type="datetimeFigureOut">
               <a:rPr lang="en-US" dirty="0"/>
               <a:pPr/>
-              <a:t>2/25/2016</a:t>
+              <a:t>2/26/2016</a:t>
             </a:fld>
             <a:endParaRPr lang="en-US" dirty="0"/>
           </a:p>
@@ -2925,7 +2925,7 @@
             <a:fld id="{B61BEF0D-F0BB-DE4B-95CE-6DB70DBA9567}" type="datetimeFigureOut">
               <a:rPr lang="en-US" dirty="0"/>
               <a:pPr/>
-              <a:t>2/25/2016</a:t>
+              <a:t>2/26/2016</a:t>
             </a:fld>
             <a:endParaRPr lang="en-US" dirty="0"/>
           </a:p>
@@ -3184,7 +3184,7 @@
             <a:fld id="{B61BEF0D-F0BB-DE4B-95CE-6DB70DBA9567}" type="datetimeFigureOut">
               <a:rPr lang="en-US" dirty="0"/>
               <a:pPr/>
-              <a:t>2/25/2016</a:t>
+              <a:t>2/26/2016</a:t>
             </a:fld>
             <a:endParaRPr lang="en-US" dirty="0"/>
           </a:p>
@@ -3443,7 +3443,7 @@
             <a:fld id="{B61BEF0D-F0BB-DE4B-95CE-6DB70DBA9567}" type="datetimeFigureOut">
               <a:rPr lang="en-US" dirty="0"/>
               <a:pPr/>
-              <a:t>2/25/2016</a:t>
+              <a:t>2/26/2016</a:t>
             </a:fld>
             <a:endParaRPr lang="en-US" dirty="0"/>
           </a:p>
@@ -3769,7 +3769,7 @@
             <a:fld id="{B61BEF0D-F0BB-DE4B-95CE-6DB70DBA9567}" type="datetimeFigureOut">
               <a:rPr lang="en-US" dirty="0"/>
               <a:pPr/>
-              <a:t>2/25/2016</a:t>
+              <a:t>2/26/2016</a:t>
             </a:fld>
             <a:endParaRPr lang="en-US" dirty="0"/>
           </a:p>
@@ -4089,7 +4089,7 @@
             <a:fld id="{B61BEF0D-F0BB-DE4B-95CE-6DB70DBA9567}" type="datetimeFigureOut">
               <a:rPr lang="en-US" dirty="0"/>
               <a:pPr/>
-              <a:t>2/25/2016</a:t>
+              <a:t>2/26/2016</a:t>
             </a:fld>
             <a:endParaRPr lang="en-US" dirty="0"/>
           </a:p>
@@ -4543,7 +4543,7 @@
             <a:fld id="{B61BEF0D-F0BB-DE4B-95CE-6DB70DBA9567}" type="datetimeFigureOut">
               <a:rPr lang="en-US" dirty="0"/>
               <a:pPr/>
-              <a:t>2/25/2016</a:t>
+              <a:t>2/26/2016</a:t>
             </a:fld>
             <a:endParaRPr lang="en-US" dirty="0"/>
           </a:p>
@@ -4745,7 +4745,7 @@
             <a:fld id="{B61BEF0D-F0BB-DE4B-95CE-6DB70DBA9567}" type="datetimeFigureOut">
               <a:rPr lang="en-US" dirty="0"/>
               <a:pPr/>
-              <a:t>2/25/2016</a:t>
+              <a:t>2/26/2016</a:t>
             </a:fld>
             <a:endParaRPr lang="en-US" dirty="0"/>
           </a:p>
@@ -4919,7 +4919,7 @@
             <a:fld id="{B61BEF0D-F0BB-DE4B-95CE-6DB70DBA9567}" type="datetimeFigureOut">
               <a:rPr lang="en-US" dirty="0"/>
               <a:pPr/>
-              <a:t>2/25/2016</a:t>
+              <a:t>2/26/2016</a:t>
             </a:fld>
             <a:endParaRPr lang="en-US" dirty="0"/>
           </a:p>
@@ -5249,7 +5249,7 @@
             <a:fld id="{B61BEF0D-F0BB-DE4B-95CE-6DB70DBA9567}" type="datetimeFigureOut">
               <a:rPr lang="en-US" dirty="0"/>
               <a:pPr/>
-              <a:t>2/25/2016</a:t>
+              <a:t>2/26/2016</a:t>
             </a:fld>
             <a:endParaRPr lang="en-US" dirty="0"/>
           </a:p>
@@ -5591,7 +5591,7 @@
             <a:fld id="{B61BEF0D-F0BB-DE4B-95CE-6DB70DBA9567}" type="datetimeFigureOut">
               <a:rPr lang="en-US" dirty="0"/>
               <a:pPr/>
-              <a:t>2/25/2016</a:t>
+              <a:t>2/26/2016</a:t>
             </a:fld>
             <a:endParaRPr lang="en-US" dirty="0"/>
           </a:p>
@@ -7705,7 +7705,7 @@
             <a:fld id="{B61BEF0D-F0BB-DE4B-95CE-6DB70DBA9567}" type="datetimeFigureOut">
               <a:rPr lang="en-US" dirty="0"/>
               <a:pPr/>
-              <a:t>2/25/2016</a:t>
+              <a:t>2/26/2016</a:t>
             </a:fld>
             <a:endParaRPr lang="en-US" dirty="0"/>
           </a:p>
@@ -8436,7 +8436,7 @@
         <p:spPr/>
         <p:txBody>
           <a:bodyPr>
-            <a:normAutofit lnSpcReduction="10000"/>
+            <a:normAutofit fontScale="92500"/>
           </a:bodyPr>
           <a:lstStyle/>
           <a:p>
@@ -8445,12 +8445,20 @@
               <a:buChar char="§"/>
             </a:pPr>
             <a:r>
-              <a:rPr lang="en-US" dirty="0" err="1"/>
+              <a:rPr lang="en-US" dirty="0" err="1" smtClean="0"/>
               <a:t>TypeScript</a:t>
             </a:r>
             <a:r>
+              <a:rPr lang="en-US" dirty="0" smtClean="0"/>
+              <a:t> is a </a:t>
+            </a:r>
+            <a:r>
+              <a:rPr lang="en-US" smtClean="0"/>
+              <a:t>frontend programming language, it </a:t>
+            </a:r>
+            <a:r>
               <a:rPr lang="en-US" dirty="0"/>
-              <a:t> lets you write JavaScript the way you really want to.</a:t>
+              <a:t>lets you write JavaScript the way you really want to.</a:t>
             </a:r>
             <a:br>
               <a:rPr lang="en-US" dirty="0"/>
@@ -8784,7 +8792,6 @@
               <a:rPr lang="en-US" dirty="0" smtClean="0"/>
               <a:t>Module support (namespace in c#)</a:t>
             </a:r>
-            <a:endParaRPr lang="en-US" dirty="0" smtClean="0"/>
           </a:p>
           <a:p>
             <a:r>
@@ -8807,7 +8814,6 @@
               <a:rPr lang="en-US" dirty="0" smtClean="0"/>
               <a:t> code</a:t>
             </a:r>
-            <a:endParaRPr lang="en-US" dirty="0" smtClean="0"/>
           </a:p>
           <a:p>
             <a:r>

--- a/TypeScript.pptx
+++ b/TypeScript.pptx
@@ -214,7 +214,7 @@
           <a:p>
             <a:fld id="{30CB97A1-5740-48C4-BBB8-C5D8F94E005F}" type="datetimeFigureOut">
               <a:rPr lang="en-US" smtClean="0"/>
-              <a:t>2/26/2016</a:t>
+              <a:t>6/9/2016</a:t>
             </a:fld>
             <a:endParaRPr lang="en-US"/>
           </a:p>
@@ -610,60 +610,6 @@
           <a:bodyPr/>
           <a:lstStyle/>
           <a:p>
-            <a:r>
-              <a:rPr lang="en-US" baseline="0" dirty="0" smtClean="0"/>
-              <a:t>by theory, you never write native </a:t>
-            </a:r>
-            <a:r>
-              <a:rPr lang="en-US" baseline="0" dirty="0" err="1" smtClean="0"/>
-              <a:t>javascripts</a:t>
-            </a:r>
-            <a:r>
-              <a:rPr lang="en-US" baseline="0" dirty="0" smtClean="0"/>
-              <a:t> anymore, you just write </a:t>
-            </a:r>
-            <a:r>
-              <a:rPr lang="en-US" baseline="0" dirty="0" err="1" smtClean="0"/>
-              <a:t>ts</a:t>
-            </a:r>
-            <a:r>
-              <a:rPr lang="en-US" baseline="0" dirty="0" smtClean="0"/>
-              <a:t>. </a:t>
-            </a:r>
-            <a:r>
-              <a:rPr lang="en-US" dirty="0" smtClean="0"/>
-              <a:t>Because</a:t>
-            </a:r>
-            <a:r>
-              <a:rPr lang="en-US" baseline="0" dirty="0" smtClean="0"/>
-              <a:t> </a:t>
-            </a:r>
-            <a:r>
-              <a:rPr lang="en-US" baseline="0" dirty="0" err="1" smtClean="0"/>
-              <a:t>ts</a:t>
-            </a:r>
-            <a:r>
-              <a:rPr lang="en-US" baseline="0" dirty="0" smtClean="0"/>
-              <a:t> has so many benefits (such as type safety, module, object oriented, so it is really good for large scale application development,, and it is complied to </a:t>
-            </a:r>
-            <a:r>
-              <a:rPr lang="en-US" baseline="0" dirty="0" err="1" smtClean="0"/>
-              <a:t>javascript</a:t>
-            </a:r>
-            <a:r>
-              <a:rPr lang="en-US" baseline="0" dirty="0" smtClean="0"/>
-              <a:t>. For example, the heritage, and select committee we developed before, they were really complex projects, angular code was written with </a:t>
-            </a:r>
-            <a:r>
-              <a:rPr lang="en-US" baseline="0" dirty="0" err="1" smtClean="0"/>
-              <a:t>javascript</a:t>
-            </a:r>
-            <a:r>
-              <a:rPr lang="en-US" baseline="0" dirty="0" smtClean="0"/>
-              <a:t>, a lots redundant variables and functions, and it is really hard to maintain by other developers, even myself, sometimes hard to follow my own code, which was written few days ago.</a:t>
-            </a:r>
-          </a:p>
-          <a:p>
             <a:endParaRPr lang="en-US" baseline="0" dirty="0" smtClean="0"/>
           </a:p>
           <a:p>
@@ -896,7 +842,7 @@
             <a:fld id="{B61BEF0D-F0BB-DE4B-95CE-6DB70DBA9567}" type="datetimeFigureOut">
               <a:rPr lang="en-US" dirty="0"/>
               <a:pPr/>
-              <a:t>2/26/2016</a:t>
+              <a:t>6/9/2016</a:t>
             </a:fld>
             <a:endParaRPr lang="en-US" dirty="0"/>
           </a:p>
@@ -1231,7 +1177,7 @@
             <a:fld id="{B61BEF0D-F0BB-DE4B-95CE-6DB70DBA9567}" type="datetimeFigureOut">
               <a:rPr lang="en-US" dirty="0"/>
               <a:pPr/>
-              <a:t>2/26/2016</a:t>
+              <a:t>6/9/2016</a:t>
             </a:fld>
             <a:endParaRPr lang="en-US" dirty="0"/>
           </a:p>
@@ -1629,7 +1575,7 @@
             <a:fld id="{B61BEF0D-F0BB-DE4B-95CE-6DB70DBA9567}" type="datetimeFigureOut">
               <a:rPr lang="en-US" dirty="0"/>
               <a:pPr/>
-              <a:t>2/26/2016</a:t>
+              <a:t>6/9/2016</a:t>
             </a:fld>
             <a:endParaRPr lang="en-US" dirty="0"/>
           </a:p>
@@ -1961,7 +1907,7 @@
             <a:fld id="{B61BEF0D-F0BB-DE4B-95CE-6DB70DBA9567}" type="datetimeFigureOut">
               <a:rPr lang="en-US" dirty="0"/>
               <a:pPr/>
-              <a:t>2/26/2016</a:t>
+              <a:t>6/9/2016</a:t>
             </a:fld>
             <a:endParaRPr lang="en-US" dirty="0"/>
           </a:p>
@@ -2278,7 +2224,7 @@
             <a:fld id="{B61BEF0D-F0BB-DE4B-95CE-6DB70DBA9567}" type="datetimeFigureOut">
               <a:rPr lang="en-US" dirty="0"/>
               <a:pPr/>
-              <a:t>2/26/2016</a:t>
+              <a:t>6/9/2016</a:t>
             </a:fld>
             <a:endParaRPr lang="en-US" dirty="0"/>
           </a:p>
@@ -2671,7 +2617,7 @@
             <a:fld id="{B61BEF0D-F0BB-DE4B-95CE-6DB70DBA9567}" type="datetimeFigureOut">
               <a:rPr lang="en-US" dirty="0"/>
               <a:pPr/>
-              <a:t>2/26/2016</a:t>
+              <a:t>6/9/2016</a:t>
             </a:fld>
             <a:endParaRPr lang="en-US" dirty="0"/>
           </a:p>
@@ -2925,7 +2871,7 @@
             <a:fld id="{B61BEF0D-F0BB-DE4B-95CE-6DB70DBA9567}" type="datetimeFigureOut">
               <a:rPr lang="en-US" dirty="0"/>
               <a:pPr/>
-              <a:t>2/26/2016</a:t>
+              <a:t>6/9/2016</a:t>
             </a:fld>
             <a:endParaRPr lang="en-US" dirty="0"/>
           </a:p>
@@ -3184,7 +3130,7 @@
             <a:fld id="{B61BEF0D-F0BB-DE4B-95CE-6DB70DBA9567}" type="datetimeFigureOut">
               <a:rPr lang="en-US" dirty="0"/>
               <a:pPr/>
-              <a:t>2/26/2016</a:t>
+              <a:t>6/9/2016</a:t>
             </a:fld>
             <a:endParaRPr lang="en-US" dirty="0"/>
           </a:p>
@@ -3443,7 +3389,7 @@
             <a:fld id="{B61BEF0D-F0BB-DE4B-95CE-6DB70DBA9567}" type="datetimeFigureOut">
               <a:rPr lang="en-US" dirty="0"/>
               <a:pPr/>
-              <a:t>2/26/2016</a:t>
+              <a:t>6/9/2016</a:t>
             </a:fld>
             <a:endParaRPr lang="en-US" dirty="0"/>
           </a:p>
@@ -3769,7 +3715,7 @@
             <a:fld id="{B61BEF0D-F0BB-DE4B-95CE-6DB70DBA9567}" type="datetimeFigureOut">
               <a:rPr lang="en-US" dirty="0"/>
               <a:pPr/>
-              <a:t>2/26/2016</a:t>
+              <a:t>6/9/2016</a:t>
             </a:fld>
             <a:endParaRPr lang="en-US" dirty="0"/>
           </a:p>
@@ -4089,7 +4035,7 @@
             <a:fld id="{B61BEF0D-F0BB-DE4B-95CE-6DB70DBA9567}" type="datetimeFigureOut">
               <a:rPr lang="en-US" dirty="0"/>
               <a:pPr/>
-              <a:t>2/26/2016</a:t>
+              <a:t>6/9/2016</a:t>
             </a:fld>
             <a:endParaRPr lang="en-US" dirty="0"/>
           </a:p>
@@ -4543,7 +4489,7 @@
             <a:fld id="{B61BEF0D-F0BB-DE4B-95CE-6DB70DBA9567}" type="datetimeFigureOut">
               <a:rPr lang="en-US" dirty="0"/>
               <a:pPr/>
-              <a:t>2/26/2016</a:t>
+              <a:t>6/9/2016</a:t>
             </a:fld>
             <a:endParaRPr lang="en-US" dirty="0"/>
           </a:p>
@@ -4745,7 +4691,7 @@
             <a:fld id="{B61BEF0D-F0BB-DE4B-95CE-6DB70DBA9567}" type="datetimeFigureOut">
               <a:rPr lang="en-US" dirty="0"/>
               <a:pPr/>
-              <a:t>2/26/2016</a:t>
+              <a:t>6/9/2016</a:t>
             </a:fld>
             <a:endParaRPr lang="en-US" dirty="0"/>
           </a:p>
@@ -4919,7 +4865,7 @@
             <a:fld id="{B61BEF0D-F0BB-DE4B-95CE-6DB70DBA9567}" type="datetimeFigureOut">
               <a:rPr lang="en-US" dirty="0"/>
               <a:pPr/>
-              <a:t>2/26/2016</a:t>
+              <a:t>6/9/2016</a:t>
             </a:fld>
             <a:endParaRPr lang="en-US" dirty="0"/>
           </a:p>
@@ -5249,7 +5195,7 @@
             <a:fld id="{B61BEF0D-F0BB-DE4B-95CE-6DB70DBA9567}" type="datetimeFigureOut">
               <a:rPr lang="en-US" dirty="0"/>
               <a:pPr/>
-              <a:t>2/26/2016</a:t>
+              <a:t>6/9/2016</a:t>
             </a:fld>
             <a:endParaRPr lang="en-US" dirty="0"/>
           </a:p>
@@ -5591,7 +5537,7 @@
             <a:fld id="{B61BEF0D-F0BB-DE4B-95CE-6DB70DBA9567}" type="datetimeFigureOut">
               <a:rPr lang="en-US" dirty="0"/>
               <a:pPr/>
-              <a:t>2/26/2016</a:t>
+              <a:t>6/9/2016</a:t>
             </a:fld>
             <a:endParaRPr lang="en-US" dirty="0"/>
           </a:p>
@@ -7705,7 +7651,7 @@
             <a:fld id="{B61BEF0D-F0BB-DE4B-95CE-6DB70DBA9567}" type="datetimeFigureOut">
               <a:rPr lang="en-US" dirty="0"/>
               <a:pPr/>
-              <a:t>2/26/2016</a:t>
+              <a:t>6/9/2016</a:t>
             </a:fld>
             <a:endParaRPr lang="en-US" dirty="0"/>
           </a:p>
